--- a/CIE1.pptx
+++ b/CIE1.pptx
@@ -1808,7 +1808,7 @@
             </a:duotone>
             <a:extLst>
               <a:ext uri="{28A0092B-C50C-407E-A947-70E740481C1C}">
-                <a14:useLocalDpi xmlns="" xmlns:a14="http://schemas.microsoft.com/office/drawing/2010/main" val="0"/>
+                <a14:useLocalDpi xmlns:a14="http://schemas.microsoft.com/office/drawing/2010/main" xmlns="" val="0"/>
               </a:ext>
             </a:extLst>
           </a:blip>
@@ -1867,7 +1867,7 @@
             </a:duotone>
             <a:extLst>
               <a:ext uri="{28A0092B-C50C-407E-A947-70E740481C1C}">
-                <a14:useLocalDpi xmlns="" xmlns:a14="http://schemas.microsoft.com/office/drawing/2010/main" val="0"/>
+                <a14:useLocalDpi xmlns:a14="http://schemas.microsoft.com/office/drawing/2010/main" xmlns="" val="0"/>
               </a:ext>
             </a:extLst>
           </a:blip>
@@ -1926,7 +1926,7 @@
             </a:duotone>
             <a:extLst>
               <a:ext uri="{28A0092B-C50C-407E-A947-70E740481C1C}">
-                <a14:useLocalDpi xmlns="" xmlns:a14="http://schemas.microsoft.com/office/drawing/2010/main" val="0"/>
+                <a14:useLocalDpi xmlns:a14="http://schemas.microsoft.com/office/drawing/2010/main" xmlns="" val="0"/>
               </a:ext>
             </a:extLst>
           </a:blip>
@@ -1962,10 +1962,10 @@
   <dgm:whole/>
   <dgm:extLst>
     <a:ext uri="http://schemas.microsoft.com/office/drawing/2008/diagram">
-      <dsp:dataModelExt xmlns="" xmlns:dsp="http://schemas.microsoft.com/office/drawing/2008/diagram" relId="rId10" minVer="http://schemas.openxmlformats.org/drawingml/2006/diagram"/>
+      <dsp:dataModelExt xmlns:dsp="http://schemas.microsoft.com/office/drawing/2008/diagram" xmlns="" relId="rId10" minVer="http://schemas.openxmlformats.org/drawingml/2006/diagram"/>
     </a:ext>
     <a:ext uri="{C62137D5-CB1D-491B-B009-E17868A290BF}">
-      <dgm14:recolorImg xmlns="" xmlns:dgm14="http://schemas.microsoft.com/office/drawing/2010/diagram" val="1"/>
+      <dgm14:recolorImg xmlns:dgm14="http://schemas.microsoft.com/office/drawing/2010/diagram" xmlns="" val="1"/>
     </a:ext>
   </dgm:extLst>
 </dgm:dataModel>
@@ -2139,7 +2139,7 @@
           <a:blip xmlns:r="http://schemas.openxmlformats.org/officeDocument/2006/relationships" r:embed="rId1" cstate="print">
             <a:extLst>
               <a:ext uri="{28A0092B-C50C-407E-A947-70E740481C1C}">
-                <a14:useLocalDpi xmlns="" xmlns:a14="http://schemas.microsoft.com/office/drawing/2010/main" val="0"/>
+                <a14:useLocalDpi xmlns:a14="http://schemas.microsoft.com/office/drawing/2010/main" xmlns="" val="0"/>
               </a:ext>
             </a:extLst>
           </a:blip>
@@ -2180,7 +2180,7 @@
           <a:blip xmlns:r="http://schemas.openxmlformats.org/officeDocument/2006/relationships" r:embed="rId2" cstate="print">
             <a:extLst>
               <a:ext uri="{28A0092B-C50C-407E-A947-70E740481C1C}">
-                <a14:useLocalDpi xmlns="" xmlns:a14="http://schemas.microsoft.com/office/drawing/2010/main" val="0"/>
+                <a14:useLocalDpi xmlns:a14="http://schemas.microsoft.com/office/drawing/2010/main" xmlns="" val="0"/>
               </a:ext>
             </a:extLst>
           </a:blip>
@@ -2221,7 +2221,7 @@
           <a:blip xmlns:r="http://schemas.openxmlformats.org/officeDocument/2006/relationships" r:embed="rId3" cstate="print">
             <a:extLst>
               <a:ext uri="{28A0092B-C50C-407E-A947-70E740481C1C}">
-                <a14:useLocalDpi xmlns="" xmlns:a14="http://schemas.microsoft.com/office/drawing/2010/main" val="0"/>
+                <a14:useLocalDpi xmlns:a14="http://schemas.microsoft.com/office/drawing/2010/main" xmlns="" val="0"/>
               </a:ext>
             </a:extLst>
           </a:blip>
@@ -2257,7 +2257,7 @@
   <dgm:whole/>
   <dgm:extLst>
     <a:ext uri="http://schemas.microsoft.com/office/drawing/2008/diagram">
-      <dsp:dataModelExt xmlns="" xmlns:dsp="http://schemas.microsoft.com/office/drawing/2008/diagram" relId="rId15" minVer="http://schemas.openxmlformats.org/drawingml/2006/diagram"/>
+      <dsp:dataModelExt xmlns:dsp="http://schemas.microsoft.com/office/drawing/2008/diagram" xmlns="" relId="rId15" minVer="http://schemas.openxmlformats.org/drawingml/2006/diagram"/>
     </a:ext>
   </dgm:extLst>
 </dgm:dataModel>
@@ -6232,7 +6232,7 @@
             <a:fld id="{E866766B-72C1-4144-8A71-15FF97A5FB11}" type="datetimeFigureOut">
               <a:rPr lang="en-IN" smtClean="0"/>
               <a:pPr/>
-              <a:t>23-01-2024</a:t>
+              <a:t>30-01-2024</a:t>
             </a:fld>
             <a:endParaRPr lang="en-IN"/>
           </a:p>
@@ -6401,7 +6401,7 @@
     </p:spTree>
     <p:extLst>
       <p:ext uri="{BB962C8B-B14F-4D97-AF65-F5344CB8AC3E}">
-        <p14:creationId xmlns="" xmlns:p14="http://schemas.microsoft.com/office/powerpoint/2010/main" val="3195872790"/>
+        <p14:creationId xmlns:p14="http://schemas.microsoft.com/office/powerpoint/2010/main" xmlns="" val="3195872790"/>
       </p:ext>
     </p:extLst>
   </p:cSld>
@@ -6576,7 +6576,7 @@
     </p:spTree>
     <p:extLst>
       <p:ext uri="{BB962C8B-B14F-4D97-AF65-F5344CB8AC3E}">
-        <p14:creationId xmlns="" xmlns:p14="http://schemas.microsoft.com/office/powerpoint/2010/main" val="969347669"/>
+        <p14:creationId xmlns:p14="http://schemas.microsoft.com/office/powerpoint/2010/main" xmlns="" val="969347669"/>
       </p:ext>
     </p:extLst>
   </p:cSld>
@@ -6661,7 +6661,7 @@
     </p:spTree>
     <p:extLst>
       <p:ext uri="{BB962C8B-B14F-4D97-AF65-F5344CB8AC3E}">
-        <p14:creationId xmlns="" xmlns:p14="http://schemas.microsoft.com/office/powerpoint/2010/main" val="969347669"/>
+        <p14:creationId xmlns:p14="http://schemas.microsoft.com/office/powerpoint/2010/main" xmlns="" val="969347669"/>
       </p:ext>
     </p:extLst>
   </p:cSld>
@@ -6746,7 +6746,7 @@
     </p:spTree>
     <p:extLst>
       <p:ext uri="{BB962C8B-B14F-4D97-AF65-F5344CB8AC3E}">
-        <p14:creationId xmlns="" xmlns:p14="http://schemas.microsoft.com/office/powerpoint/2010/main" val="969347669"/>
+        <p14:creationId xmlns:p14="http://schemas.microsoft.com/office/powerpoint/2010/main" xmlns="" val="969347669"/>
       </p:ext>
     </p:extLst>
   </p:cSld>
@@ -6831,7 +6831,7 @@
     </p:spTree>
     <p:extLst>
       <p:ext uri="{BB962C8B-B14F-4D97-AF65-F5344CB8AC3E}">
-        <p14:creationId xmlns="" xmlns:p14="http://schemas.microsoft.com/office/powerpoint/2010/main" val="969347669"/>
+        <p14:creationId xmlns:p14="http://schemas.microsoft.com/office/powerpoint/2010/main" xmlns="" val="969347669"/>
       </p:ext>
     </p:extLst>
   </p:cSld>
@@ -6916,7 +6916,7 @@
     </p:spTree>
     <p:extLst>
       <p:ext uri="{BB962C8B-B14F-4D97-AF65-F5344CB8AC3E}">
-        <p14:creationId xmlns="" xmlns:p14="http://schemas.microsoft.com/office/powerpoint/2010/main" val="969347669"/>
+        <p14:creationId xmlns:p14="http://schemas.microsoft.com/office/powerpoint/2010/main" xmlns="" val="969347669"/>
       </p:ext>
     </p:extLst>
   </p:cSld>
@@ -7001,7 +7001,7 @@
     </p:spTree>
     <p:extLst>
       <p:ext uri="{BB962C8B-B14F-4D97-AF65-F5344CB8AC3E}">
-        <p14:creationId xmlns="" xmlns:p14="http://schemas.microsoft.com/office/powerpoint/2010/main" val="969347669"/>
+        <p14:creationId xmlns:p14="http://schemas.microsoft.com/office/powerpoint/2010/main" xmlns="" val="969347669"/>
       </p:ext>
     </p:extLst>
   </p:cSld>
@@ -7086,7 +7086,7 @@
     </p:spTree>
     <p:extLst>
       <p:ext uri="{BB962C8B-B14F-4D97-AF65-F5344CB8AC3E}">
-        <p14:creationId xmlns="" xmlns:p14="http://schemas.microsoft.com/office/powerpoint/2010/main" val="969347669"/>
+        <p14:creationId xmlns:p14="http://schemas.microsoft.com/office/powerpoint/2010/main" xmlns="" val="969347669"/>
       </p:ext>
     </p:extLst>
   </p:cSld>
@@ -7171,7 +7171,7 @@
     </p:spTree>
     <p:extLst>
       <p:ext uri="{BB962C8B-B14F-4D97-AF65-F5344CB8AC3E}">
-        <p14:creationId xmlns="" xmlns:p14="http://schemas.microsoft.com/office/powerpoint/2010/main" val="969347669"/>
+        <p14:creationId xmlns:p14="http://schemas.microsoft.com/office/powerpoint/2010/main" xmlns="" val="969347669"/>
       </p:ext>
     </p:extLst>
   </p:cSld>
@@ -7256,7 +7256,7 @@
     </p:spTree>
     <p:extLst>
       <p:ext uri="{BB962C8B-B14F-4D97-AF65-F5344CB8AC3E}">
-        <p14:creationId xmlns="" xmlns:p14="http://schemas.microsoft.com/office/powerpoint/2010/main" val="969347669"/>
+        <p14:creationId xmlns:p14="http://schemas.microsoft.com/office/powerpoint/2010/main" xmlns="" val="969347669"/>
       </p:ext>
     </p:extLst>
   </p:cSld>
@@ -7448,7 +7448,7 @@
             <a:fld id="{4CBF7BC9-E435-4B3B-A6FD-66CC9758CB3F}" type="datetimeFigureOut">
               <a:rPr lang="en-IN" smtClean="0"/>
               <a:pPr/>
-              <a:t>23-01-2024</a:t>
+              <a:t>30-01-2024</a:t>
             </a:fld>
             <a:endParaRPr lang="en-IN"/>
           </a:p>
@@ -7500,7 +7500,7 @@
     </p:spTree>
     <p:extLst>
       <p:ext uri="{BB962C8B-B14F-4D97-AF65-F5344CB8AC3E}">
-        <p14:creationId xmlns="" xmlns:p14="http://schemas.microsoft.com/office/powerpoint/2010/main" val="2882859879"/>
+        <p14:creationId xmlns:p14="http://schemas.microsoft.com/office/powerpoint/2010/main" xmlns="" val="2882859879"/>
       </p:ext>
     </p:extLst>
   </p:cSld>
@@ -7620,7 +7620,7 @@
             <a:fld id="{4CBF7BC9-E435-4B3B-A6FD-66CC9758CB3F}" type="datetimeFigureOut">
               <a:rPr lang="en-IN" smtClean="0"/>
               <a:pPr/>
-              <a:t>23-01-2024</a:t>
+              <a:t>30-01-2024</a:t>
             </a:fld>
             <a:endParaRPr lang="en-IN"/>
           </a:p>
@@ -7672,7 +7672,7 @@
     </p:spTree>
     <p:extLst>
       <p:ext uri="{BB962C8B-B14F-4D97-AF65-F5344CB8AC3E}">
-        <p14:creationId xmlns="" xmlns:p14="http://schemas.microsoft.com/office/powerpoint/2010/main" val="434068255"/>
+        <p14:creationId xmlns:p14="http://schemas.microsoft.com/office/powerpoint/2010/main" xmlns="" val="434068255"/>
       </p:ext>
     </p:extLst>
   </p:cSld>
@@ -7802,7 +7802,7 @@
             <a:fld id="{4CBF7BC9-E435-4B3B-A6FD-66CC9758CB3F}" type="datetimeFigureOut">
               <a:rPr lang="en-IN" smtClean="0"/>
               <a:pPr/>
-              <a:t>23-01-2024</a:t>
+              <a:t>30-01-2024</a:t>
             </a:fld>
             <a:endParaRPr lang="en-IN"/>
           </a:p>
@@ -7854,7 +7854,7 @@
     </p:spTree>
     <p:extLst>
       <p:ext uri="{BB962C8B-B14F-4D97-AF65-F5344CB8AC3E}">
-        <p14:creationId xmlns="" xmlns:p14="http://schemas.microsoft.com/office/powerpoint/2010/main" val="2369305672"/>
+        <p14:creationId xmlns:p14="http://schemas.microsoft.com/office/powerpoint/2010/main" xmlns="" val="2369305672"/>
       </p:ext>
     </p:extLst>
   </p:cSld>
@@ -7974,7 +7974,7 @@
             <a:fld id="{4CBF7BC9-E435-4B3B-A6FD-66CC9758CB3F}" type="datetimeFigureOut">
               <a:rPr lang="en-IN" smtClean="0"/>
               <a:pPr/>
-              <a:t>23-01-2024</a:t>
+              <a:t>30-01-2024</a:t>
             </a:fld>
             <a:endParaRPr lang="en-IN"/>
           </a:p>
@@ -8026,7 +8026,7 @@
     </p:spTree>
     <p:extLst>
       <p:ext uri="{BB962C8B-B14F-4D97-AF65-F5344CB8AC3E}">
-        <p14:creationId xmlns="" xmlns:p14="http://schemas.microsoft.com/office/powerpoint/2010/main" val="2017223597"/>
+        <p14:creationId xmlns:p14="http://schemas.microsoft.com/office/powerpoint/2010/main" xmlns="" val="2017223597"/>
       </p:ext>
     </p:extLst>
   </p:cSld>
@@ -8222,7 +8222,7 @@
             <a:fld id="{4CBF7BC9-E435-4B3B-A6FD-66CC9758CB3F}" type="datetimeFigureOut">
               <a:rPr lang="en-IN" smtClean="0"/>
               <a:pPr/>
-              <a:t>23-01-2024</a:t>
+              <a:t>30-01-2024</a:t>
             </a:fld>
             <a:endParaRPr lang="en-IN"/>
           </a:p>
@@ -8274,7 +8274,7 @@
     </p:spTree>
     <p:extLst>
       <p:ext uri="{BB962C8B-B14F-4D97-AF65-F5344CB8AC3E}">
-        <p14:creationId xmlns="" xmlns:p14="http://schemas.microsoft.com/office/powerpoint/2010/main" val="3222870028"/>
+        <p14:creationId xmlns:p14="http://schemas.microsoft.com/office/powerpoint/2010/main" xmlns="" val="3222870028"/>
       </p:ext>
     </p:extLst>
   </p:cSld>
@@ -8512,7 +8512,7 @@
             <a:fld id="{4CBF7BC9-E435-4B3B-A6FD-66CC9758CB3F}" type="datetimeFigureOut">
               <a:rPr lang="en-IN" smtClean="0"/>
               <a:pPr/>
-              <a:t>23-01-2024</a:t>
+              <a:t>30-01-2024</a:t>
             </a:fld>
             <a:endParaRPr lang="en-IN"/>
           </a:p>
@@ -8564,7 +8564,7 @@
     </p:spTree>
     <p:extLst>
       <p:ext uri="{BB962C8B-B14F-4D97-AF65-F5344CB8AC3E}">
-        <p14:creationId xmlns="" xmlns:p14="http://schemas.microsoft.com/office/powerpoint/2010/main" val="635389375"/>
+        <p14:creationId xmlns:p14="http://schemas.microsoft.com/office/powerpoint/2010/main" xmlns="" val="635389375"/>
       </p:ext>
     </p:extLst>
   </p:cSld>
@@ -8936,7 +8936,7 @@
             <a:fld id="{4CBF7BC9-E435-4B3B-A6FD-66CC9758CB3F}" type="datetimeFigureOut">
               <a:rPr lang="en-IN" smtClean="0"/>
               <a:pPr/>
-              <a:t>23-01-2024</a:t>
+              <a:t>30-01-2024</a:t>
             </a:fld>
             <a:endParaRPr lang="en-IN"/>
           </a:p>
@@ -8988,7 +8988,7 @@
     </p:spTree>
     <p:extLst>
       <p:ext uri="{BB962C8B-B14F-4D97-AF65-F5344CB8AC3E}">
-        <p14:creationId xmlns="" xmlns:p14="http://schemas.microsoft.com/office/powerpoint/2010/main" val="1692712002"/>
+        <p14:creationId xmlns:p14="http://schemas.microsoft.com/office/powerpoint/2010/main" xmlns="" val="1692712002"/>
       </p:ext>
     </p:extLst>
   </p:cSld>
@@ -9056,7 +9056,7 @@
             <a:fld id="{4CBF7BC9-E435-4B3B-A6FD-66CC9758CB3F}" type="datetimeFigureOut">
               <a:rPr lang="en-IN" smtClean="0"/>
               <a:pPr/>
-              <a:t>23-01-2024</a:t>
+              <a:t>30-01-2024</a:t>
             </a:fld>
             <a:endParaRPr lang="en-IN"/>
           </a:p>
@@ -9108,7 +9108,7 @@
     </p:spTree>
     <p:extLst>
       <p:ext uri="{BB962C8B-B14F-4D97-AF65-F5344CB8AC3E}">
-        <p14:creationId xmlns="" xmlns:p14="http://schemas.microsoft.com/office/powerpoint/2010/main" val="3531400928"/>
+        <p14:creationId xmlns:p14="http://schemas.microsoft.com/office/powerpoint/2010/main" xmlns="" val="3531400928"/>
       </p:ext>
     </p:extLst>
   </p:cSld>
@@ -9153,7 +9153,7 @@
             <a:fld id="{4CBF7BC9-E435-4B3B-A6FD-66CC9758CB3F}" type="datetimeFigureOut">
               <a:rPr lang="en-IN" smtClean="0"/>
               <a:pPr/>
-              <a:t>23-01-2024</a:t>
+              <a:t>30-01-2024</a:t>
             </a:fld>
             <a:endParaRPr lang="en-IN"/>
           </a:p>
@@ -9205,7 +9205,7 @@
     </p:spTree>
     <p:extLst>
       <p:ext uri="{BB962C8B-B14F-4D97-AF65-F5344CB8AC3E}">
-        <p14:creationId xmlns="" xmlns:p14="http://schemas.microsoft.com/office/powerpoint/2010/main" val="1003964866"/>
+        <p14:creationId xmlns:p14="http://schemas.microsoft.com/office/powerpoint/2010/main" xmlns="" val="1003964866"/>
       </p:ext>
     </p:extLst>
   </p:cSld>
@@ -9432,7 +9432,7 @@
             <a:fld id="{4CBF7BC9-E435-4B3B-A6FD-66CC9758CB3F}" type="datetimeFigureOut">
               <a:rPr lang="en-IN" smtClean="0"/>
               <a:pPr/>
-              <a:t>23-01-2024</a:t>
+              <a:t>30-01-2024</a:t>
             </a:fld>
             <a:endParaRPr lang="en-IN"/>
           </a:p>
@@ -9484,7 +9484,7 @@
     </p:spTree>
     <p:extLst>
       <p:ext uri="{BB962C8B-B14F-4D97-AF65-F5344CB8AC3E}">
-        <p14:creationId xmlns="" xmlns:p14="http://schemas.microsoft.com/office/powerpoint/2010/main" val="3999449975"/>
+        <p14:creationId xmlns:p14="http://schemas.microsoft.com/office/powerpoint/2010/main" xmlns="" val="3999449975"/>
       </p:ext>
     </p:extLst>
   </p:cSld>
@@ -9687,7 +9687,7 @@
             <a:fld id="{4CBF7BC9-E435-4B3B-A6FD-66CC9758CB3F}" type="datetimeFigureOut">
               <a:rPr lang="en-IN" smtClean="0"/>
               <a:pPr/>
-              <a:t>23-01-2024</a:t>
+              <a:t>30-01-2024</a:t>
             </a:fld>
             <a:endParaRPr lang="en-IN"/>
           </a:p>
@@ -9739,7 +9739,7 @@
     </p:spTree>
     <p:extLst>
       <p:ext uri="{BB962C8B-B14F-4D97-AF65-F5344CB8AC3E}">
-        <p14:creationId xmlns="" xmlns:p14="http://schemas.microsoft.com/office/powerpoint/2010/main" val="147184819"/>
+        <p14:creationId xmlns:p14="http://schemas.microsoft.com/office/powerpoint/2010/main" xmlns="" val="147184819"/>
       </p:ext>
     </p:extLst>
   </p:cSld>
@@ -9907,7 +9907,7 @@
             <a:fld id="{4CBF7BC9-E435-4B3B-A6FD-66CC9758CB3F}" type="datetimeFigureOut">
               <a:rPr lang="en-IN" smtClean="0"/>
               <a:pPr/>
-              <a:t>23-01-2024</a:t>
+              <a:t>30-01-2024</a:t>
             </a:fld>
             <a:endParaRPr lang="en-IN"/>
           </a:p>
@@ -9995,7 +9995,7 @@
     </p:spTree>
     <p:extLst>
       <p:ext uri="{BB962C8B-B14F-4D97-AF65-F5344CB8AC3E}">
-        <p14:creationId xmlns="" xmlns:p14="http://schemas.microsoft.com/office/powerpoint/2010/main" val="2467002853"/>
+        <p14:creationId xmlns:p14="http://schemas.microsoft.com/office/powerpoint/2010/main" xmlns="" val="2467002853"/>
       </p:ext>
     </p:extLst>
   </p:cSld>
@@ -10338,7 +10338,7 @@
           <a:blip r:embed="rId3" cstate="print">
             <a:extLst>
               <a:ext uri="{BEBA8EAE-BF5A-486C-A8C5-ECC9F3942E4B}">
-                <a14:imgProps xmlns="" xmlns:a14="http://schemas.microsoft.com/office/drawing/2010/main">
+                <a14:imgProps xmlns:a14="http://schemas.microsoft.com/office/drawing/2010/main" xmlns="">
                   <a14:imgLayer r:embed="rId4">
                     <a14:imgEffect>
                       <a14:sharpenSoften amount="50000"/>
@@ -10356,7 +10356,7 @@
                 </a14:imgProps>
               </a:ext>
               <a:ext uri="{28A0092B-C50C-407E-A947-70E740481C1C}">
-                <a14:useLocalDpi xmlns="" xmlns:a14="http://schemas.microsoft.com/office/drawing/2010/main" val="0"/>
+                <a14:useLocalDpi xmlns:a14="http://schemas.microsoft.com/office/drawing/2010/main" xmlns="" val="0"/>
               </a:ext>
             </a:extLst>
           </a:blip>
@@ -10725,7 +10725,15 @@
           <a:p>
             <a:r>
               <a:rPr lang="en-IN" sz="2400" b="1" dirty="0" smtClean="0"/>
-              <a:t>COLLEGE MANAGEMENT SYSTEM</a:t>
+              <a:t>STUDENT DATABASE</a:t>
+            </a:r>
+            <a:r>
+              <a:rPr lang="en-IN" sz="2400" b="1" dirty="0" smtClean="0"/>
+              <a:t> </a:t>
+            </a:r>
+            <a:r>
+              <a:rPr lang="en-IN" sz="2400" b="1" dirty="0" smtClean="0"/>
+              <a:t>MANAGEMENT SYSTEM</a:t>
             </a:r>
             <a:endParaRPr lang="en-IN" sz="2400" b="1" dirty="0"/>
           </a:p>
@@ -11163,22 +11171,144 @@
           </a:p>
         </p:txBody>
       </p:sp>
+      <p:sp>
+        <p:nvSpPr>
+          <p:cNvPr id="27649" name="Rectangle 1"/>
+          <p:cNvSpPr>
+            <a:spLocks noChangeArrowheads="1"/>
+          </p:cNvSpPr>
+          <p:nvPr/>
+        </p:nvSpPr>
+        <p:spPr bwMode="auto">
+          <a:xfrm>
+            <a:off x="0" y="0"/>
+            <a:ext cx="9144000" cy="0"/>
+          </a:xfrm>
+          <a:prstGeom prst="rect">
+            <a:avLst/>
+          </a:prstGeom>
+          <a:noFill/>
+          <a:ln w="9525">
+            <a:noFill/>
+            <a:miter lim="800000"/>
+            <a:headEnd/>
+            <a:tailEnd/>
+          </a:ln>
+          <a:effectLst/>
+        </p:spPr>
+        <p:txBody>
+          <a:bodyPr vert="horz" wrap="none" lIns="91440" tIns="45720" rIns="91440" bIns="45720" numCol="1" anchor="ctr" anchorCtr="0" compatLnSpc="1">
+            <a:prstTxWarp prst="textNoShape">
+              <a:avLst/>
+            </a:prstTxWarp>
+            <a:spAutoFit/>
+          </a:bodyPr>
+          <a:lstStyle/>
+          <a:p>
+            <a:pPr marL="0" marR="0" lvl="0" indent="0" algn="l" defTabSz="914400" rtl="0" eaLnBrk="1" fontAlgn="base" latinLnBrk="0" hangingPunct="1">
+              <a:lnSpc>
+                <a:spcPct val="100000"/>
+              </a:lnSpc>
+              <a:spcBef>
+                <a:spcPct val="0"/>
+              </a:spcBef>
+              <a:spcAft>
+                <a:spcPct val="0"/>
+              </a:spcAft>
+              <a:buClrTx/>
+              <a:buSzTx/>
+              <a:buFontTx/>
+              <a:buNone/>
+              <a:tabLst/>
+            </a:pPr>
+            <a:endParaRPr kumimoji="0" lang="en-US" sz="1800" b="0" i="0" u="none" strike="noStrike" cap="none" normalizeH="0" baseline="0" smtClean="0">
+              <a:ln>
+                <a:noFill/>
+              </a:ln>
+              <a:solidFill>
+                <a:schemeClr val="tx1"/>
+              </a:solidFill>
+              <a:effectLst/>
+              <a:latin typeface="Arial" charset="0"/>
+              <a:cs typeface="Arial" charset="0"/>
+            </a:endParaRPr>
+          </a:p>
+        </p:txBody>
+      </p:sp>
+      <p:sp>
+        <p:nvSpPr>
+          <p:cNvPr id="27650" name="Rectangle 2"/>
+          <p:cNvSpPr>
+            <a:spLocks noChangeArrowheads="1"/>
+          </p:cNvSpPr>
+          <p:nvPr/>
+        </p:nvSpPr>
+        <p:spPr bwMode="auto">
+          <a:xfrm>
+            <a:off x="0" y="0"/>
+            <a:ext cx="9144000" cy="0"/>
+          </a:xfrm>
+          <a:prstGeom prst="rect">
+            <a:avLst/>
+          </a:prstGeom>
+          <a:noFill/>
+          <a:ln w="9525">
+            <a:noFill/>
+            <a:miter lim="800000"/>
+            <a:headEnd/>
+            <a:tailEnd/>
+          </a:ln>
+          <a:effectLst/>
+        </p:spPr>
+        <p:txBody>
+          <a:bodyPr vert="horz" wrap="none" lIns="91440" tIns="45720" rIns="91440" bIns="45720" numCol="1" anchor="ctr" anchorCtr="0" compatLnSpc="1">
+            <a:prstTxWarp prst="textNoShape">
+              <a:avLst/>
+            </a:prstTxWarp>
+            <a:spAutoFit/>
+          </a:bodyPr>
+          <a:lstStyle/>
+          <a:p>
+            <a:pPr marL="0" marR="0" lvl="0" indent="0" algn="l" defTabSz="914400" rtl="0" eaLnBrk="1" fontAlgn="base" latinLnBrk="0" hangingPunct="1">
+              <a:lnSpc>
+                <a:spcPct val="100000"/>
+              </a:lnSpc>
+              <a:spcBef>
+                <a:spcPct val="0"/>
+              </a:spcBef>
+              <a:spcAft>
+                <a:spcPct val="0"/>
+              </a:spcAft>
+              <a:buClrTx/>
+              <a:buSzTx/>
+              <a:buFontTx/>
+              <a:buNone/>
+              <a:tabLst/>
+            </a:pPr>
+            <a:endParaRPr kumimoji="0" lang="en-US" sz="1800" b="0" i="0" u="none" strike="noStrike" cap="none" normalizeH="0" baseline="0" smtClean="0">
+              <a:ln>
+                <a:noFill/>
+              </a:ln>
+              <a:solidFill>
+                <a:schemeClr val="tx1"/>
+              </a:solidFill>
+              <a:effectLst/>
+              <a:latin typeface="Arial" charset="0"/>
+              <a:cs typeface="Arial" charset="0"/>
+            </a:endParaRPr>
+          </a:p>
+        </p:txBody>
+      </p:sp>
       <p:pic>
         <p:nvPicPr>
-          <p:cNvPr id="2059" name="Picture 11" descr="C:\Users\Navya\Downloads\Liceria___Co.-removebg-preview.png"/>
+          <p:cNvPr id="27652" name="Picture 4" descr="C:\Users\anant\Downloads\logo__1_-removebg-preview.png"/>
           <p:cNvPicPr>
             <a:picLocks noChangeAspect="1" noChangeArrowheads="1"/>
           </p:cNvPicPr>
           <p:nvPr/>
         </p:nvPicPr>
         <p:blipFill>
-          <a:blip r:embed="rId5">
-            <a:extLst>
-              <a:ext uri="{28A0092B-C50C-407E-A947-70E740481C1C}">
-                <a14:useLocalDpi xmlns="" xmlns:a14="http://schemas.microsoft.com/office/drawing/2010/main" val="0"/>
-              </a:ext>
-            </a:extLst>
-          </a:blip>
+          <a:blip r:embed="rId5"/>
           <a:srcRect/>
           <a:stretch>
             <a:fillRect/>
@@ -11186,28 +11316,19 @@
         </p:blipFill>
         <p:spPr bwMode="auto">
           <a:xfrm>
-            <a:off x="2555776" y="2370075"/>
-            <a:ext cx="3844533" cy="3844533"/>
+            <a:off x="2643174" y="2285992"/>
+            <a:ext cx="4143404" cy="4143404"/>
           </a:xfrm>
           <a:prstGeom prst="rect">
             <a:avLst/>
           </a:prstGeom>
           <a:noFill/>
-          <a:extLst>
-            <a:ext uri="{909E8E84-426E-40DD-AFC4-6F175D3DCCD1}">
-              <a14:hiddenFill xmlns="" xmlns:a14="http://schemas.microsoft.com/office/drawing/2010/main">
-                <a:solidFill>
-                  <a:srgbClr val="FFFFFF"/>
-                </a:solidFill>
-              </a14:hiddenFill>
-            </a:ext>
-          </a:extLst>
         </p:spPr>
       </p:pic>
     </p:spTree>
     <p:extLst>
       <p:ext uri="{BB962C8B-B14F-4D97-AF65-F5344CB8AC3E}">
-        <p14:creationId xmlns="" xmlns:p14="http://schemas.microsoft.com/office/powerpoint/2010/main" val="2765050962"/>
+        <p14:creationId xmlns:p14="http://schemas.microsoft.com/office/powerpoint/2010/main" xmlns="" val="2765050962"/>
       </p:ext>
     </p:extLst>
   </p:cSld>
@@ -11296,7 +11417,7 @@
           <a:blip r:embed="rId2" cstate="print">
             <a:extLst>
               <a:ext uri="{BEBA8EAE-BF5A-486C-A8C5-ECC9F3942E4B}">
-                <a14:imgProps xmlns="" xmlns:a14="http://schemas.microsoft.com/office/drawing/2010/main">
+                <a14:imgProps xmlns:a14="http://schemas.microsoft.com/office/drawing/2010/main" xmlns="">
                   <a14:imgLayer r:embed="rId4">
                     <a14:imgEffect>
                       <a14:sharpenSoften amount="50000"/>
@@ -11314,7 +11435,7 @@
                 </a14:imgProps>
               </a:ext>
               <a:ext uri="{28A0092B-C50C-407E-A947-70E740481C1C}">
-                <a14:useLocalDpi xmlns="" xmlns:a14="http://schemas.microsoft.com/office/drawing/2010/main" val="0"/>
+                <a14:useLocalDpi xmlns:a14="http://schemas.microsoft.com/office/drawing/2010/main" xmlns="" val="0"/>
               </a:ext>
             </a:extLst>
           </a:blip>
@@ -11671,20 +11792,14 @@
       </p:pic>
       <p:pic>
         <p:nvPicPr>
-          <p:cNvPr id="14" name="Picture 11" descr="C:\Users\Navya\Downloads\Liceria___Co.-removebg-preview.png"/>
+          <p:cNvPr id="17" name="Picture 4" descr="C:\Users\anant\Downloads\logo__1_-removebg-preview.png"/>
           <p:cNvPicPr>
             <a:picLocks noChangeAspect="1" noChangeArrowheads="1"/>
           </p:cNvPicPr>
           <p:nvPr/>
         </p:nvPicPr>
         <p:blipFill>
-          <a:blip r:embed="rId6" cstate="print">
-            <a:extLst>
-              <a:ext uri="{28A0092B-C50C-407E-A947-70E740481C1C}">
-                <a14:useLocalDpi xmlns="" xmlns:a14="http://schemas.microsoft.com/office/drawing/2010/main" val="0"/>
-              </a:ext>
-            </a:extLst>
-          </a:blip>
+          <a:blip r:embed="rId6"/>
           <a:srcRect/>
           <a:stretch>
             <a:fillRect/>
@@ -11692,22 +11807,13 @@
         </p:blipFill>
         <p:spPr bwMode="auto">
           <a:xfrm>
-            <a:off x="7572396" y="4714884"/>
-            <a:ext cx="1760376" cy="1760376"/>
+            <a:off x="7500958" y="4572008"/>
+            <a:ext cx="2000264" cy="2000264"/>
           </a:xfrm>
           <a:prstGeom prst="rect">
             <a:avLst/>
           </a:prstGeom>
           <a:noFill/>
-          <a:extLst>
-            <a:ext uri="{909E8E84-426E-40DD-AFC4-6F175D3DCCD1}">
-              <a14:hiddenFill xmlns="" xmlns:a14="http://schemas.microsoft.com/office/drawing/2010/main">
-                <a:solidFill>
-                  <a:srgbClr val="FFFFFF"/>
-                </a:solidFill>
-              </a14:hiddenFill>
-            </a:ext>
-          </a:extLst>
         </p:spPr>
       </p:pic>
     </p:spTree>
@@ -11790,7 +11896,7 @@
           <a:blip r:embed="rId2" cstate="print">
             <a:extLst>
               <a:ext uri="{BEBA8EAE-BF5A-486C-A8C5-ECC9F3942E4B}">
-                <a14:imgProps xmlns="" xmlns:a14="http://schemas.microsoft.com/office/drawing/2010/main">
+                <a14:imgProps xmlns:a14="http://schemas.microsoft.com/office/drawing/2010/main" xmlns="">
                   <a14:imgLayer r:embed="rId4">
                     <a14:imgEffect>
                       <a14:sharpenSoften amount="50000"/>
@@ -11808,7 +11914,7 @@
                 </a14:imgProps>
               </a:ext>
               <a:ext uri="{28A0092B-C50C-407E-A947-70E740481C1C}">
-                <a14:useLocalDpi xmlns="" xmlns:a14="http://schemas.microsoft.com/office/drawing/2010/main" val="0"/>
+                <a14:useLocalDpi xmlns:a14="http://schemas.microsoft.com/office/drawing/2010/main" xmlns="" val="0"/>
               </a:ext>
             </a:extLst>
           </a:blip>
@@ -12358,20 +12464,14 @@
       </p:sp>
       <p:pic>
         <p:nvPicPr>
-          <p:cNvPr id="24" name="Picture 11" descr="C:\Users\Navya\Downloads\Liceria___Co.-removebg-preview.png"/>
+          <p:cNvPr id="18" name="Picture 4" descr="C:\Users\anant\Downloads\logo__1_-removebg-preview.png"/>
           <p:cNvPicPr>
             <a:picLocks noChangeAspect="1" noChangeArrowheads="1"/>
           </p:cNvPicPr>
           <p:nvPr/>
         </p:nvPicPr>
         <p:blipFill>
-          <a:blip r:embed="rId5" cstate="print">
-            <a:extLst>
-              <a:ext uri="{28A0092B-C50C-407E-A947-70E740481C1C}">
-                <a14:useLocalDpi xmlns="" xmlns:a14="http://schemas.microsoft.com/office/drawing/2010/main" val="0"/>
-              </a:ext>
-            </a:extLst>
-          </a:blip>
+          <a:blip r:embed="rId5"/>
           <a:srcRect/>
           <a:stretch>
             <a:fillRect/>
@@ -12379,22 +12479,13 @@
         </p:blipFill>
         <p:spPr bwMode="auto">
           <a:xfrm>
-            <a:off x="7215206" y="4357694"/>
-            <a:ext cx="1760376" cy="1760376"/>
+            <a:off x="6858016" y="4500570"/>
+            <a:ext cx="2000264" cy="2000264"/>
           </a:xfrm>
           <a:prstGeom prst="rect">
             <a:avLst/>
           </a:prstGeom>
           <a:noFill/>
-          <a:extLst>
-            <a:ext uri="{909E8E84-426E-40DD-AFC4-6F175D3DCCD1}">
-              <a14:hiddenFill xmlns="" xmlns:a14="http://schemas.microsoft.com/office/drawing/2010/main">
-                <a:solidFill>
-                  <a:srgbClr val="FFFFFF"/>
-                </a:solidFill>
-              </a14:hiddenFill>
-            </a:ext>
-          </a:extLst>
         </p:spPr>
       </p:pic>
     </p:spTree>
@@ -12477,7 +12568,7 @@
           <a:blip r:embed="rId2" cstate="print">
             <a:extLst>
               <a:ext uri="{BEBA8EAE-BF5A-486C-A8C5-ECC9F3942E4B}">
-                <a14:imgProps xmlns="" xmlns:a14="http://schemas.microsoft.com/office/drawing/2010/main">
+                <a14:imgProps xmlns:a14="http://schemas.microsoft.com/office/drawing/2010/main" xmlns="">
                   <a14:imgLayer r:embed="rId4">
                     <a14:imgEffect>
                       <a14:sharpenSoften amount="50000"/>
@@ -12495,7 +12586,7 @@
                 </a14:imgProps>
               </a:ext>
               <a:ext uri="{28A0092B-C50C-407E-A947-70E740481C1C}">
-                <a14:useLocalDpi xmlns="" xmlns:a14="http://schemas.microsoft.com/office/drawing/2010/main" val="0"/>
+                <a14:useLocalDpi xmlns:a14="http://schemas.microsoft.com/office/drawing/2010/main" xmlns="" val="0"/>
               </a:ext>
             </a:extLst>
           </a:blip>
@@ -13100,20 +13191,14 @@
       </p:sp>
       <p:pic>
         <p:nvPicPr>
-          <p:cNvPr id="24" name="Picture 11" descr="C:\Users\Navya\Downloads\Liceria___Co.-removebg-preview.png"/>
+          <p:cNvPr id="18" name="Picture 4" descr="C:\Users\anant\Downloads\logo__1_-removebg-preview.png"/>
           <p:cNvPicPr>
             <a:picLocks noChangeAspect="1" noChangeArrowheads="1"/>
           </p:cNvPicPr>
           <p:nvPr/>
         </p:nvPicPr>
         <p:blipFill>
-          <a:blip r:embed="rId5" cstate="print">
-            <a:extLst>
-              <a:ext uri="{28A0092B-C50C-407E-A947-70E740481C1C}">
-                <a14:useLocalDpi xmlns="" xmlns:a14="http://schemas.microsoft.com/office/drawing/2010/main" val="0"/>
-              </a:ext>
-            </a:extLst>
-          </a:blip>
+          <a:blip r:embed="rId5" cstate="print"/>
           <a:srcRect/>
           <a:stretch>
             <a:fillRect/>
@@ -13121,22 +13206,13 @@
         </p:blipFill>
         <p:spPr bwMode="auto">
           <a:xfrm>
-            <a:off x="6858016" y="4857760"/>
-            <a:ext cx="1760376" cy="1760376"/>
+            <a:off x="6786578" y="4786322"/>
+            <a:ext cx="1857388" cy="1857388"/>
           </a:xfrm>
           <a:prstGeom prst="rect">
             <a:avLst/>
           </a:prstGeom>
           <a:noFill/>
-          <a:extLst>
-            <a:ext uri="{909E8E84-426E-40DD-AFC4-6F175D3DCCD1}">
-              <a14:hiddenFill xmlns="" xmlns:a14="http://schemas.microsoft.com/office/drawing/2010/main">
-                <a:solidFill>
-                  <a:srgbClr val="FFFFFF"/>
-                </a:solidFill>
-              </a14:hiddenFill>
-            </a:ext>
-          </a:extLst>
         </p:spPr>
       </p:pic>
     </p:spTree>
@@ -13219,7 +13295,7 @@
           <a:blip r:embed="rId2" cstate="print">
             <a:extLst>
               <a:ext uri="{BEBA8EAE-BF5A-486C-A8C5-ECC9F3942E4B}">
-                <a14:imgProps xmlns="" xmlns:a14="http://schemas.microsoft.com/office/drawing/2010/main">
+                <a14:imgProps xmlns:a14="http://schemas.microsoft.com/office/drawing/2010/main" xmlns="">
                   <a14:imgLayer r:embed="rId4">
                     <a14:imgEffect>
                       <a14:sharpenSoften amount="50000"/>
@@ -13237,7 +13313,7 @@
                 </a14:imgProps>
               </a:ext>
               <a:ext uri="{28A0092B-C50C-407E-A947-70E740481C1C}">
-                <a14:useLocalDpi xmlns="" xmlns:a14="http://schemas.microsoft.com/office/drawing/2010/main" val="0"/>
+                <a14:useLocalDpi xmlns:a14="http://schemas.microsoft.com/office/drawing/2010/main" xmlns="" val="0"/>
               </a:ext>
             </a:extLst>
           </a:blip>
@@ -13841,20 +13917,14 @@
       </p:sp>
       <p:pic>
         <p:nvPicPr>
-          <p:cNvPr id="18" name="Picture 11" descr="C:\Users\Navya\Downloads\Liceria___Co.-removebg-preview.png"/>
+          <p:cNvPr id="24" name="Picture 4" descr="C:\Users\anant\Downloads\logo__1_-removebg-preview.png"/>
           <p:cNvPicPr>
             <a:picLocks noChangeAspect="1" noChangeArrowheads="1"/>
           </p:cNvPicPr>
           <p:nvPr/>
         </p:nvPicPr>
         <p:blipFill>
-          <a:blip r:embed="rId5" cstate="print">
-            <a:extLst>
-              <a:ext uri="{28A0092B-C50C-407E-A947-70E740481C1C}">
-                <a14:useLocalDpi xmlns="" xmlns:a14="http://schemas.microsoft.com/office/drawing/2010/main" val="0"/>
-              </a:ext>
-            </a:extLst>
-          </a:blip>
+          <a:blip r:embed="rId5" cstate="print"/>
           <a:srcRect/>
           <a:stretch>
             <a:fillRect/>
@@ -13862,22 +13932,13 @@
         </p:blipFill>
         <p:spPr bwMode="auto">
           <a:xfrm>
-            <a:off x="6786578" y="4857760"/>
-            <a:ext cx="1760376" cy="1760376"/>
+            <a:off x="6929454" y="4786322"/>
+            <a:ext cx="1857388" cy="1857388"/>
           </a:xfrm>
           <a:prstGeom prst="rect">
             <a:avLst/>
           </a:prstGeom>
           <a:noFill/>
-          <a:extLst>
-            <a:ext uri="{909E8E84-426E-40DD-AFC4-6F175D3DCCD1}">
-              <a14:hiddenFill xmlns="" xmlns:a14="http://schemas.microsoft.com/office/drawing/2010/main">
-                <a:solidFill>
-                  <a:srgbClr val="FFFFFF"/>
-                </a:solidFill>
-              </a14:hiddenFill>
-            </a:ext>
-          </a:extLst>
         </p:spPr>
       </p:pic>
     </p:spTree>
@@ -13960,7 +14021,7 @@
           <a:blip r:embed="rId2" cstate="print">
             <a:extLst>
               <a:ext uri="{BEBA8EAE-BF5A-486C-A8C5-ECC9F3942E4B}">
-                <a14:imgProps xmlns="" xmlns:a14="http://schemas.microsoft.com/office/drawing/2010/main">
+                <a14:imgProps xmlns:a14="http://schemas.microsoft.com/office/drawing/2010/main" xmlns="">
                   <a14:imgLayer r:embed="rId4">
                     <a14:imgEffect>
                       <a14:sharpenSoften amount="50000"/>
@@ -13978,7 +14039,7 @@
                 </a14:imgProps>
               </a:ext>
               <a:ext uri="{28A0092B-C50C-407E-A947-70E740481C1C}">
-                <a14:useLocalDpi xmlns="" xmlns:a14="http://schemas.microsoft.com/office/drawing/2010/main" val="0"/>
+                <a14:useLocalDpi xmlns:a14="http://schemas.microsoft.com/office/drawing/2010/main" xmlns="" val="0"/>
               </a:ext>
             </a:extLst>
           </a:blip>
@@ -14571,20 +14632,14 @@
       </p:sp>
       <p:pic>
         <p:nvPicPr>
-          <p:cNvPr id="18" name="Picture 11" descr="C:\Users\Navya\Downloads\Liceria___Co.-removebg-preview.png"/>
+          <p:cNvPr id="19" name="Picture 4" descr="C:\Users\anant\Downloads\logo__1_-removebg-preview.png"/>
           <p:cNvPicPr>
             <a:picLocks noChangeAspect="1" noChangeArrowheads="1"/>
           </p:cNvPicPr>
           <p:nvPr/>
         </p:nvPicPr>
         <p:blipFill>
-          <a:blip r:embed="rId5" cstate="print">
-            <a:extLst>
-              <a:ext uri="{28A0092B-C50C-407E-A947-70E740481C1C}">
-                <a14:useLocalDpi xmlns="" xmlns:a14="http://schemas.microsoft.com/office/drawing/2010/main" val="0"/>
-              </a:ext>
-            </a:extLst>
-          </a:blip>
+          <a:blip r:embed="rId5" cstate="print"/>
           <a:srcRect/>
           <a:stretch>
             <a:fillRect/>
@@ -14592,22 +14647,13 @@
         </p:blipFill>
         <p:spPr bwMode="auto">
           <a:xfrm>
-            <a:off x="6929454" y="4857760"/>
-            <a:ext cx="1760376" cy="1760376"/>
+            <a:off x="6786578" y="4786322"/>
+            <a:ext cx="1857388" cy="1857388"/>
           </a:xfrm>
           <a:prstGeom prst="rect">
             <a:avLst/>
           </a:prstGeom>
           <a:noFill/>
-          <a:extLst>
-            <a:ext uri="{909E8E84-426E-40DD-AFC4-6F175D3DCCD1}">
-              <a14:hiddenFill xmlns="" xmlns:a14="http://schemas.microsoft.com/office/drawing/2010/main">
-                <a:solidFill>
-                  <a:srgbClr val="FFFFFF"/>
-                </a:solidFill>
-              </a14:hiddenFill>
-            </a:ext>
-          </a:extLst>
         </p:spPr>
       </p:pic>
     </p:spTree>
@@ -14690,7 +14736,7 @@
           <a:blip r:embed="rId2" cstate="print">
             <a:extLst>
               <a:ext uri="{BEBA8EAE-BF5A-486C-A8C5-ECC9F3942E4B}">
-                <a14:imgProps xmlns="" xmlns:a14="http://schemas.microsoft.com/office/drawing/2010/main">
+                <a14:imgProps xmlns:a14="http://schemas.microsoft.com/office/drawing/2010/main" xmlns="">
                   <a14:imgLayer r:embed="rId4">
                     <a14:imgEffect>
                       <a14:sharpenSoften amount="50000"/>
@@ -14708,7 +14754,7 @@
                 </a14:imgProps>
               </a:ext>
               <a:ext uri="{28A0092B-C50C-407E-A947-70E740481C1C}">
-                <a14:useLocalDpi xmlns="" xmlns:a14="http://schemas.microsoft.com/office/drawing/2010/main" val="0"/>
+                <a14:useLocalDpi xmlns:a14="http://schemas.microsoft.com/office/drawing/2010/main" xmlns="" val="0"/>
               </a:ext>
             </a:extLst>
           </a:blip>
@@ -14864,11 +14910,6 @@
               </a:rPr>
               <a:t>Sprint Planning:</a:t>
             </a:r>
-            <a:endParaRPr lang="en-IN" dirty="0" smtClean="0">
-              <a:solidFill>
-                <a:schemeClr val="bg1"/>
-              </a:solidFill>
-            </a:endParaRPr>
           </a:p>
           <a:p>
             <a:pPr lvl="0"/>
@@ -15269,20 +15310,14 @@
       </p:sp>
       <p:pic>
         <p:nvPicPr>
-          <p:cNvPr id="18" name="Picture 11" descr="C:\Users\Navya\Downloads\Liceria___Co.-removebg-preview.png"/>
+          <p:cNvPr id="19" name="Picture 4" descr="C:\Users\anant\Downloads\logo__1_-removebg-preview.png"/>
           <p:cNvPicPr>
             <a:picLocks noChangeAspect="1" noChangeArrowheads="1"/>
           </p:cNvPicPr>
           <p:nvPr/>
         </p:nvPicPr>
         <p:blipFill>
-          <a:blip r:embed="rId5" cstate="print">
-            <a:extLst>
-              <a:ext uri="{28A0092B-C50C-407E-A947-70E740481C1C}">
-                <a14:useLocalDpi xmlns="" xmlns:a14="http://schemas.microsoft.com/office/drawing/2010/main" val="0"/>
-              </a:ext>
-            </a:extLst>
-          </a:blip>
+          <a:blip r:embed="rId5" cstate="print"/>
           <a:srcRect/>
           <a:stretch>
             <a:fillRect/>
@@ -15290,22 +15325,13 @@
         </p:blipFill>
         <p:spPr bwMode="auto">
           <a:xfrm>
-            <a:off x="6929454" y="4857760"/>
-            <a:ext cx="1760376" cy="1760376"/>
+            <a:off x="6786578" y="4786322"/>
+            <a:ext cx="1857388" cy="1857388"/>
           </a:xfrm>
           <a:prstGeom prst="rect">
             <a:avLst/>
           </a:prstGeom>
           <a:noFill/>
-          <a:extLst>
-            <a:ext uri="{909E8E84-426E-40DD-AFC4-6F175D3DCCD1}">
-              <a14:hiddenFill xmlns="" xmlns:a14="http://schemas.microsoft.com/office/drawing/2010/main">
-                <a:solidFill>
-                  <a:srgbClr val="FFFFFF"/>
-                </a:solidFill>
-              </a14:hiddenFill>
-            </a:ext>
-          </a:extLst>
         </p:spPr>
       </p:pic>
     </p:spTree>
@@ -15388,7 +15414,7 @@
           <a:blip r:embed="rId2" cstate="print">
             <a:extLst>
               <a:ext uri="{BEBA8EAE-BF5A-486C-A8C5-ECC9F3942E4B}">
-                <a14:imgProps xmlns="" xmlns:a14="http://schemas.microsoft.com/office/drawing/2010/main">
+                <a14:imgProps xmlns:a14="http://schemas.microsoft.com/office/drawing/2010/main" xmlns="">
                   <a14:imgLayer r:embed="rId4">
                     <a14:imgEffect>
                       <a14:sharpenSoften amount="50000"/>
@@ -15406,7 +15432,7 @@
                 </a14:imgProps>
               </a:ext>
               <a:ext uri="{28A0092B-C50C-407E-A947-70E740481C1C}">
-                <a14:useLocalDpi xmlns="" xmlns:a14="http://schemas.microsoft.com/office/drawing/2010/main" val="0"/>
+                <a14:useLocalDpi xmlns:a14="http://schemas.microsoft.com/office/drawing/2010/main" xmlns="" val="0"/>
               </a:ext>
             </a:extLst>
           </a:blip>
@@ -15557,11 +15583,6 @@
               </a:rPr>
               <a:t>Daily Stand-Up Meetings:</a:t>
             </a:r>
-            <a:endParaRPr lang="en-IN" dirty="0" smtClean="0">
-              <a:solidFill>
-                <a:schemeClr val="bg1"/>
-              </a:solidFill>
-            </a:endParaRPr>
           </a:p>
           <a:p>
             <a:pPr lvl="0"/>
@@ -15935,15 +15956,7 @@
                   <a:schemeClr val="bg1"/>
                 </a:solidFill>
               </a:rPr>
-              <a:t>, Amazon EC2</a:t>
-            </a:r>
-            <a:r>
-              <a:rPr lang="en-IN" sz="1600" dirty="0" smtClean="0">
-                <a:solidFill>
-                  <a:schemeClr val="bg1"/>
-                </a:solidFill>
-              </a:rPr>
-              <a:t>.</a:t>
+              <a:t>, Amazon EC2.</a:t>
             </a:r>
           </a:p>
         </p:txBody>
@@ -15989,20 +16002,14 @@
       </p:sp>
       <p:pic>
         <p:nvPicPr>
-          <p:cNvPr id="18" name="Picture 11" descr="C:\Users\Navya\Downloads\Liceria___Co.-removebg-preview.png"/>
+          <p:cNvPr id="19" name="Picture 4" descr="C:\Users\anant\Downloads\logo__1_-removebg-preview.png"/>
           <p:cNvPicPr>
             <a:picLocks noChangeAspect="1" noChangeArrowheads="1"/>
           </p:cNvPicPr>
           <p:nvPr/>
         </p:nvPicPr>
         <p:blipFill>
-          <a:blip r:embed="rId5" cstate="print">
-            <a:extLst>
-              <a:ext uri="{28A0092B-C50C-407E-A947-70E740481C1C}">
-                <a14:useLocalDpi xmlns="" xmlns:a14="http://schemas.microsoft.com/office/drawing/2010/main" val="0"/>
-              </a:ext>
-            </a:extLst>
-          </a:blip>
+          <a:blip r:embed="rId5" cstate="print"/>
           <a:srcRect/>
           <a:stretch>
             <a:fillRect/>
@@ -16010,22 +16017,13 @@
         </p:blipFill>
         <p:spPr bwMode="auto">
           <a:xfrm>
-            <a:off x="6929454" y="4857760"/>
-            <a:ext cx="1760376" cy="1760376"/>
+            <a:off x="6786578" y="4786322"/>
+            <a:ext cx="1857388" cy="1857388"/>
           </a:xfrm>
           <a:prstGeom prst="rect">
             <a:avLst/>
           </a:prstGeom>
           <a:noFill/>
-          <a:extLst>
-            <a:ext uri="{909E8E84-426E-40DD-AFC4-6F175D3DCCD1}">
-              <a14:hiddenFill xmlns="" xmlns:a14="http://schemas.microsoft.com/office/drawing/2010/main">
-                <a:solidFill>
-                  <a:srgbClr val="FFFFFF"/>
-                </a:solidFill>
-              </a14:hiddenFill>
-            </a:ext>
-          </a:extLst>
         </p:spPr>
       </p:pic>
     </p:spTree>
@@ -16108,7 +16106,7 @@
           <a:blip r:embed="rId2" cstate="print">
             <a:extLst>
               <a:ext uri="{BEBA8EAE-BF5A-486C-A8C5-ECC9F3942E4B}">
-                <a14:imgProps xmlns="" xmlns:a14="http://schemas.microsoft.com/office/drawing/2010/main">
+                <a14:imgProps xmlns:a14="http://schemas.microsoft.com/office/drawing/2010/main" xmlns="">
                   <a14:imgLayer r:embed="rId4">
                     <a14:imgEffect>
                       <a14:sharpenSoften amount="50000"/>
@@ -16126,7 +16124,7 @@
                 </a14:imgProps>
               </a:ext>
               <a:ext uri="{28A0092B-C50C-407E-A947-70E740481C1C}">
-                <a14:useLocalDpi xmlns="" xmlns:a14="http://schemas.microsoft.com/office/drawing/2010/main" val="0"/>
+                <a14:useLocalDpi xmlns:a14="http://schemas.microsoft.com/office/drawing/2010/main" xmlns="" val="0"/>
               </a:ext>
             </a:extLst>
           </a:blip>
@@ -16285,11 +16283,6 @@
               </a:rPr>
               <a:t>Sprint Retrospective:</a:t>
             </a:r>
-            <a:endParaRPr lang="en-IN" dirty="0" smtClean="0">
-              <a:solidFill>
-                <a:schemeClr val="bg1"/>
-              </a:solidFill>
-            </a:endParaRPr>
           </a:p>
           <a:p>
             <a:pPr lvl="0"/>
@@ -16631,29 +16624,8 @@
                   <a:schemeClr val="bg1"/>
                 </a:solidFill>
               </a:rPr>
-              <a:t>The fourth step in the agile methodology was to conduct a sprint review. The sprint review involved reviewing the features developed during the sprint and seeking feedback from stakeholders. The feedback obtained during the sprint review was used </a:t>
-            </a:r>
-            <a:r>
-              <a:rPr lang="en-IN" sz="1600" dirty="0" smtClean="0">
-                <a:solidFill>
-                  <a:schemeClr val="bg1"/>
-                </a:solidFill>
-              </a:rPr>
-              <a:t>to </a:t>
-            </a:r>
-            <a:r>
-              <a:rPr lang="en-IN" sz="1600" dirty="0" smtClean="0">
-                <a:solidFill>
-                  <a:schemeClr val="bg1"/>
-                </a:solidFill>
-              </a:rPr>
-              <a:t>refine the features developed during the sprint and ensure that the project was on track.</a:t>
-            </a:r>
-            <a:endParaRPr lang="en-IN" sz="1600" dirty="0" smtClean="0">
-              <a:solidFill>
-                <a:schemeClr val="bg1"/>
-              </a:solidFill>
-            </a:endParaRPr>
+              <a:t>The fourth step in the agile methodology was to conduct a sprint review. The sprint review involved reviewing the features developed during the sprint and seeking feedback from stakeholders. The feedback obtained during the sprint review was used to refine the features developed during the sprint and ensure that the project was on track.</a:t>
+            </a:r>
           </a:p>
         </p:txBody>
       </p:sp>
@@ -16698,20 +16670,14 @@
       </p:sp>
       <p:pic>
         <p:nvPicPr>
-          <p:cNvPr id="18" name="Picture 11" descr="C:\Users\Navya\Downloads\Liceria___Co.-removebg-preview.png"/>
+          <p:cNvPr id="25" name="Picture 4" descr="C:\Users\anant\Downloads\logo__1_-removebg-preview.png"/>
           <p:cNvPicPr>
             <a:picLocks noChangeAspect="1" noChangeArrowheads="1"/>
           </p:cNvPicPr>
           <p:nvPr/>
         </p:nvPicPr>
         <p:blipFill>
-          <a:blip r:embed="rId5" cstate="print">
-            <a:extLst>
-              <a:ext uri="{28A0092B-C50C-407E-A947-70E740481C1C}">
-                <a14:useLocalDpi xmlns="" xmlns:a14="http://schemas.microsoft.com/office/drawing/2010/main" val="0"/>
-              </a:ext>
-            </a:extLst>
-          </a:blip>
+          <a:blip r:embed="rId5" cstate="print"/>
           <a:srcRect/>
           <a:stretch>
             <a:fillRect/>
@@ -16719,22 +16685,13 @@
         </p:blipFill>
         <p:spPr bwMode="auto">
           <a:xfrm>
-            <a:off x="6929454" y="4857760"/>
-            <a:ext cx="1760376" cy="1760376"/>
+            <a:off x="6786578" y="4786322"/>
+            <a:ext cx="1857388" cy="1857388"/>
           </a:xfrm>
           <a:prstGeom prst="rect">
             <a:avLst/>
           </a:prstGeom>
           <a:noFill/>
-          <a:extLst>
-            <a:ext uri="{909E8E84-426E-40DD-AFC4-6F175D3DCCD1}">
-              <a14:hiddenFill xmlns="" xmlns:a14="http://schemas.microsoft.com/office/drawing/2010/main">
-                <a:solidFill>
-                  <a:srgbClr val="FFFFFF"/>
-                </a:solidFill>
-              </a14:hiddenFill>
-            </a:ext>
-          </a:extLst>
         </p:spPr>
       </p:pic>
     </p:spTree>
@@ -16817,7 +16774,7 @@
           <a:blip r:embed="rId2" cstate="print">
             <a:extLst>
               <a:ext uri="{BEBA8EAE-BF5A-486C-A8C5-ECC9F3942E4B}">
-                <a14:imgProps xmlns="" xmlns:a14="http://schemas.microsoft.com/office/drawing/2010/main">
+                <a14:imgProps xmlns:a14="http://schemas.microsoft.com/office/drawing/2010/main" xmlns="">
                   <a14:imgLayer r:embed="rId4">
                     <a14:imgEffect>
                       <a14:sharpenSoften amount="50000"/>
@@ -16835,7 +16792,7 @@
                 </a14:imgProps>
               </a:ext>
               <a:ext uri="{28A0092B-C50C-407E-A947-70E740481C1C}">
-                <a14:useLocalDpi xmlns="" xmlns:a14="http://schemas.microsoft.com/office/drawing/2010/main" val="0"/>
+                <a14:useLocalDpi xmlns:a14="http://schemas.microsoft.com/office/drawing/2010/main" xmlns="" val="0"/>
               </a:ext>
             </a:extLst>
           </a:blip>
@@ -17340,7 +17297,7 @@
         <p:spPr>
           <a:xfrm>
             <a:off x="285720" y="3000372"/>
-            <a:ext cx="8358246" cy="2862322"/>
+            <a:ext cx="8358246" cy="2800767"/>
           </a:xfrm>
           <a:prstGeom prst="rect">
             <a:avLst/>
@@ -17363,7 +17320,15 @@
                   <a:schemeClr val="bg1"/>
                 </a:solidFill>
               </a:rPr>
-              <a:t>Flexibility: The agile methodology allowed the development team to be flexible and adapt to changes during the development process. </a:t>
+              <a:t>Flexibility: The agile methodology allowed the development team to be flexible and adapt to changes during the development process</a:t>
+            </a:r>
+            <a:r>
+              <a:rPr lang="en-IN" sz="1600" smtClean="0">
+                <a:solidFill>
+                  <a:schemeClr val="bg1"/>
+                </a:solidFill>
+              </a:rPr>
+              <a:t>. </a:t>
             </a:r>
             <a:endParaRPr lang="en-US" sz="1600" dirty="0" smtClean="0">
               <a:solidFill>
@@ -17460,22 +17425,54 @@
           </a:p>
         </p:txBody>
       </p:sp>
+      <p:sp>
+        <p:nvSpPr>
+          <p:cNvPr id="19" name="TextBox 18"/>
+          <p:cNvSpPr txBox="1"/>
+          <p:nvPr/>
+        </p:nvSpPr>
+        <p:spPr>
+          <a:xfrm>
+            <a:off x="428596" y="2428868"/>
+            <a:ext cx="8286808" cy="584775"/>
+          </a:xfrm>
+          <a:prstGeom prst="rect">
+            <a:avLst/>
+          </a:prstGeom>
+          <a:noFill/>
+        </p:spPr>
+        <p:txBody>
+          <a:bodyPr wrap="square" rtlCol="0">
+            <a:spAutoFit/>
+          </a:bodyPr>
+          <a:lstStyle/>
+          <a:p>
+            <a:r>
+              <a:rPr lang="en-IN" sz="1600" dirty="0" smtClean="0">
+                <a:solidFill>
+                  <a:schemeClr val="bg1"/>
+                </a:solidFill>
+              </a:rPr>
+              <a:t>The use of agile methodology for the Student Management System project provided several advantages. These advantages include:</a:t>
+            </a:r>
+            <a:endParaRPr lang="en-US" sz="1600" dirty="0">
+              <a:solidFill>
+                <a:schemeClr val="bg1"/>
+              </a:solidFill>
+            </a:endParaRPr>
+          </a:p>
+        </p:txBody>
+      </p:sp>
       <p:pic>
         <p:nvPicPr>
-          <p:cNvPr id="18" name="Picture 11" descr="C:\Users\Navya\Downloads\Liceria___Co.-removebg-preview.png"/>
+          <p:cNvPr id="24" name="Picture 4" descr="C:\Users\anant\Downloads\logo__1_-removebg-preview.png"/>
           <p:cNvPicPr>
             <a:picLocks noChangeAspect="1" noChangeArrowheads="1"/>
           </p:cNvPicPr>
           <p:nvPr/>
         </p:nvPicPr>
         <p:blipFill>
-          <a:blip r:embed="rId5" cstate="print">
-            <a:extLst>
-              <a:ext uri="{28A0092B-C50C-407E-A947-70E740481C1C}">
-                <a14:useLocalDpi xmlns="" xmlns:a14="http://schemas.microsoft.com/office/drawing/2010/main" val="0"/>
-              </a:ext>
-            </a:extLst>
-          </a:blip>
+          <a:blip r:embed="rId5" cstate="print"/>
           <a:srcRect/>
           <a:stretch>
             <a:fillRect/>
@@ -17483,62 +17480,15 @@
         </p:blipFill>
         <p:spPr bwMode="auto">
           <a:xfrm>
-            <a:off x="6858016" y="4929198"/>
-            <a:ext cx="1760376" cy="1760376"/>
+            <a:off x="6715140" y="4857760"/>
+            <a:ext cx="1785950" cy="1785950"/>
           </a:xfrm>
           <a:prstGeom prst="rect">
             <a:avLst/>
           </a:prstGeom>
           <a:noFill/>
-          <a:extLst>
-            <a:ext uri="{909E8E84-426E-40DD-AFC4-6F175D3DCCD1}">
-              <a14:hiddenFill xmlns="" xmlns:a14="http://schemas.microsoft.com/office/drawing/2010/main">
-                <a:solidFill>
-                  <a:srgbClr val="FFFFFF"/>
-                </a:solidFill>
-              </a14:hiddenFill>
-            </a:ext>
-          </a:extLst>
         </p:spPr>
       </p:pic>
-      <p:sp>
-        <p:nvSpPr>
-          <p:cNvPr id="19" name="TextBox 18"/>
-          <p:cNvSpPr txBox="1"/>
-          <p:nvPr/>
-        </p:nvSpPr>
-        <p:spPr>
-          <a:xfrm>
-            <a:off x="428596" y="2428868"/>
-            <a:ext cx="8286808" cy="584775"/>
-          </a:xfrm>
-          <a:prstGeom prst="rect">
-            <a:avLst/>
-          </a:prstGeom>
-          <a:noFill/>
-        </p:spPr>
-        <p:txBody>
-          <a:bodyPr wrap="square" rtlCol="0">
-            <a:spAutoFit/>
-          </a:bodyPr>
-          <a:lstStyle/>
-          <a:p>
-            <a:r>
-              <a:rPr lang="en-IN" sz="1600" dirty="0" smtClean="0">
-                <a:solidFill>
-                  <a:schemeClr val="bg1"/>
-                </a:solidFill>
-              </a:rPr>
-              <a:t>The use of agile methodology for the Student Management System project provided several advantages. These advantages include:</a:t>
-            </a:r>
-            <a:endParaRPr lang="en-US" sz="1600" dirty="0">
-              <a:solidFill>
-                <a:schemeClr val="bg1"/>
-              </a:solidFill>
-            </a:endParaRPr>
-          </a:p>
-        </p:txBody>
-      </p:sp>
     </p:spTree>
   </p:cSld>
   <p:clrMapOvr>
@@ -17619,7 +17569,7 @@
           <a:blip r:embed="rId3" cstate="print">
             <a:extLst>
               <a:ext uri="{BEBA8EAE-BF5A-486C-A8C5-ECC9F3942E4B}">
-                <a14:imgProps xmlns="" xmlns:a14="http://schemas.microsoft.com/office/drawing/2010/main">
+                <a14:imgProps xmlns:a14="http://schemas.microsoft.com/office/drawing/2010/main" xmlns="">
                   <a14:imgLayer r:embed="rId4">
                     <a14:imgEffect>
                       <a14:sharpenSoften amount="50000"/>
@@ -17637,7 +17587,7 @@
                 </a14:imgProps>
               </a:ext>
               <a:ext uri="{28A0092B-C50C-407E-A947-70E740481C1C}">
-                <a14:useLocalDpi xmlns="" xmlns:a14="http://schemas.microsoft.com/office/drawing/2010/main" val="0"/>
+                <a14:useLocalDpi xmlns:a14="http://schemas.microsoft.com/office/drawing/2010/main" xmlns="" val="0"/>
               </a:ext>
             </a:extLst>
           </a:blip>
@@ -18212,20 +18162,14 @@
       </p:sp>
       <p:pic>
         <p:nvPicPr>
-          <p:cNvPr id="23" name="Picture 11" descr="C:\Users\Navya\Downloads\Liceria___Co.-removebg-preview.png"/>
+          <p:cNvPr id="14" name="Picture 4" descr="C:\Users\anant\Downloads\logo__1_-removebg-preview.png"/>
           <p:cNvPicPr>
             <a:picLocks noChangeAspect="1" noChangeArrowheads="1"/>
           </p:cNvPicPr>
           <p:nvPr/>
         </p:nvPicPr>
         <p:blipFill>
-          <a:blip r:embed="rId5" cstate="print">
-            <a:extLst>
-              <a:ext uri="{28A0092B-C50C-407E-A947-70E740481C1C}">
-                <a14:useLocalDpi xmlns="" xmlns:a14="http://schemas.microsoft.com/office/drawing/2010/main" val="0"/>
-              </a:ext>
-            </a:extLst>
-          </a:blip>
+          <a:blip r:embed="rId5"/>
           <a:srcRect/>
           <a:stretch>
             <a:fillRect/>
@@ -18233,28 +18177,19 @@
         </p:blipFill>
         <p:spPr bwMode="auto">
           <a:xfrm>
-            <a:off x="6876256" y="4787280"/>
-            <a:ext cx="1760376" cy="1760376"/>
+            <a:off x="6715140" y="4500570"/>
+            <a:ext cx="2214578" cy="2214578"/>
           </a:xfrm>
           <a:prstGeom prst="rect">
             <a:avLst/>
           </a:prstGeom>
           <a:noFill/>
-          <a:extLst>
-            <a:ext uri="{909E8E84-426E-40DD-AFC4-6F175D3DCCD1}">
-              <a14:hiddenFill xmlns="" xmlns:a14="http://schemas.microsoft.com/office/drawing/2010/main">
-                <a:solidFill>
-                  <a:srgbClr val="FFFFFF"/>
-                </a:solidFill>
-              </a14:hiddenFill>
-            </a:ext>
-          </a:extLst>
         </p:spPr>
       </p:pic>
     </p:spTree>
     <p:extLst>
       <p:ext uri="{BB962C8B-B14F-4D97-AF65-F5344CB8AC3E}">
-        <p14:creationId xmlns="" xmlns:p14="http://schemas.microsoft.com/office/powerpoint/2010/main" val="2411551827"/>
+        <p14:creationId xmlns:p14="http://schemas.microsoft.com/office/powerpoint/2010/main" xmlns="" val="2411551827"/>
       </p:ext>
     </p:extLst>
   </p:cSld>
@@ -18343,7 +18278,7 @@
           <a:blip r:embed="rId3" cstate="print">
             <a:extLst>
               <a:ext uri="{BEBA8EAE-BF5A-486C-A8C5-ECC9F3942E4B}">
-                <a14:imgProps xmlns="" xmlns:a14="http://schemas.microsoft.com/office/drawing/2010/main">
+                <a14:imgProps xmlns:a14="http://schemas.microsoft.com/office/drawing/2010/main" xmlns="">
                   <a14:imgLayer r:embed="rId4">
                     <a14:imgEffect>
                       <a14:sharpenSoften amount="50000"/>
@@ -18361,7 +18296,7 @@
                 </a14:imgProps>
               </a:ext>
               <a:ext uri="{28A0092B-C50C-407E-A947-70E740481C1C}">
-                <a14:useLocalDpi xmlns="" xmlns:a14="http://schemas.microsoft.com/office/drawing/2010/main" val="0"/>
+                <a14:useLocalDpi xmlns:a14="http://schemas.microsoft.com/office/drawing/2010/main" xmlns="" val="0"/>
               </a:ext>
             </a:extLst>
           </a:blip>
@@ -18766,12 +18701,28 @@
               <a:t>Design and develop a </a:t>
             </a:r>
             <a:r>
+              <a:rPr lang="en-US" b="1" dirty="0" smtClean="0">
+                <a:solidFill>
+                  <a:schemeClr val="bg1"/>
+                </a:solidFill>
+              </a:rPr>
+              <a:t>STUDENT DATABASE</a:t>
+            </a:r>
+            <a:r>
+              <a:rPr lang="en-US" b="1" dirty="0" smtClean="0">
+                <a:solidFill>
+                  <a:schemeClr val="bg1"/>
+                </a:solidFill>
+              </a:rPr>
+              <a:t> </a:t>
+            </a:r>
+            <a:r>
               <a:rPr lang="en-US" b="1" dirty="0">
                 <a:solidFill>
                   <a:schemeClr val="bg1"/>
                 </a:solidFill>
               </a:rPr>
-              <a:t>COLLEGE MANAGEMENT SYSTEM  </a:t>
+              <a:t>MANAGEMENT SYSTEM  </a:t>
             </a:r>
             <a:r>
               <a:rPr lang="en-US" dirty="0" smtClean="0">
@@ -18831,7 +18782,7 @@
       </p:sp>
       <p:pic>
         <p:nvPicPr>
-          <p:cNvPr id="13" name="Picture 11" descr="C:\Users\Navya\Downloads\Liceria___Co.-removebg-preview.png"/>
+          <p:cNvPr id="3079" name="Picture 7"/>
           <p:cNvPicPr>
             <a:picLocks noChangeAspect="1" noChangeArrowheads="1"/>
           </p:cNvPicPr>
@@ -18841,48 +18792,7 @@
           <a:blip r:embed="rId5" cstate="print">
             <a:extLst>
               <a:ext uri="{28A0092B-C50C-407E-A947-70E740481C1C}">
-                <a14:useLocalDpi xmlns="" xmlns:a14="http://schemas.microsoft.com/office/drawing/2010/main" val="0"/>
-              </a:ext>
-            </a:extLst>
-          </a:blip>
-          <a:srcRect/>
-          <a:stretch>
-            <a:fillRect/>
-          </a:stretch>
-        </p:blipFill>
-        <p:spPr bwMode="auto">
-          <a:xfrm>
-            <a:off x="6876256" y="4787280"/>
-            <a:ext cx="1760376" cy="1760376"/>
-          </a:xfrm>
-          <a:prstGeom prst="rect">
-            <a:avLst/>
-          </a:prstGeom>
-          <a:noFill/>
-          <a:extLst>
-            <a:ext uri="{909E8E84-426E-40DD-AFC4-6F175D3DCCD1}">
-              <a14:hiddenFill xmlns="" xmlns:a14="http://schemas.microsoft.com/office/drawing/2010/main">
-                <a:solidFill>
-                  <a:srgbClr val="FFFFFF"/>
-                </a:solidFill>
-              </a14:hiddenFill>
-            </a:ext>
-          </a:extLst>
-        </p:spPr>
-      </p:pic>
-      <p:pic>
-        <p:nvPicPr>
-          <p:cNvPr id="3079" name="Picture 7"/>
-          <p:cNvPicPr>
-            <a:picLocks noChangeAspect="1" noChangeArrowheads="1"/>
-          </p:cNvPicPr>
-          <p:nvPr/>
-        </p:nvPicPr>
-        <p:blipFill>
-          <a:blip r:embed="rId6" cstate="print">
-            <a:extLst>
-              <a:ext uri="{28A0092B-C50C-407E-A947-70E740481C1C}">
-                <a14:useLocalDpi xmlns="" xmlns:a14="http://schemas.microsoft.com/office/drawing/2010/main" val="0"/>
+                <a14:useLocalDpi xmlns:a14="http://schemas.microsoft.com/office/drawing/2010/main" xmlns="" val="0"/>
               </a:ext>
             </a:extLst>
           </a:blip>
@@ -18906,14 +18816,14 @@
           <a:effectLst/>
           <a:extLst>
             <a:ext uri="{909E8E84-426E-40DD-AFC4-6F175D3DCCD1}">
-              <a14:hiddenFill xmlns="" xmlns:a14="http://schemas.microsoft.com/office/drawing/2010/main">
+              <a14:hiddenFill xmlns:a14="http://schemas.microsoft.com/office/drawing/2010/main" xmlns="">
                 <a:solidFill>
                   <a:schemeClr val="accent1"/>
                 </a:solidFill>
               </a14:hiddenFill>
             </a:ext>
             <a:ext uri="{91240B29-F687-4F45-9708-019B960494DF}">
-              <a14:hiddenLine xmlns="" xmlns:a14="http://schemas.microsoft.com/office/drawing/2010/main" w="9525">
+              <a14:hiddenLine xmlns:a14="http://schemas.microsoft.com/office/drawing/2010/main" xmlns="" w="9525">
                 <a:solidFill>
                   <a:schemeClr val="tx1"/>
                 </a:solidFill>
@@ -18923,7 +18833,7 @@
               </a14:hiddenLine>
             </a:ext>
             <a:ext uri="{AF507438-7753-43E0-B8FC-AC1667EBCBE1}">
-              <a14:hiddenEffects xmlns="" xmlns:a14="http://schemas.microsoft.com/office/drawing/2010/main">
+              <a14:hiddenEffects xmlns:a14="http://schemas.microsoft.com/office/drawing/2010/main" xmlns="">
                 <a:effectLst>
                   <a:outerShdw dist="35921" dir="2700000" algn="ctr" rotWithShape="0">
                     <a:schemeClr val="bg2"/>
@@ -18943,10 +18853,10 @@
           <p:nvPr/>
         </p:nvPicPr>
         <p:blipFill>
-          <a:blip r:embed="rId7" cstate="print">
+          <a:blip r:embed="rId6" cstate="print">
             <a:extLst>
               <a:ext uri="{28A0092B-C50C-407E-A947-70E740481C1C}">
-                <a14:useLocalDpi xmlns="" xmlns:a14="http://schemas.microsoft.com/office/drawing/2010/main" val="0"/>
+                <a14:useLocalDpi xmlns:a14="http://schemas.microsoft.com/office/drawing/2010/main" xmlns="" val="0"/>
               </a:ext>
             </a:extLst>
           </a:blip>
@@ -18970,14 +18880,14 @@
           <a:effectLst/>
           <a:extLst>
             <a:ext uri="{909E8E84-426E-40DD-AFC4-6F175D3DCCD1}">
-              <a14:hiddenFill xmlns="" xmlns:a14="http://schemas.microsoft.com/office/drawing/2010/main">
+              <a14:hiddenFill xmlns:a14="http://schemas.microsoft.com/office/drawing/2010/main" xmlns="">
                 <a:solidFill>
                   <a:schemeClr val="accent1"/>
                 </a:solidFill>
               </a14:hiddenFill>
             </a:ext>
             <a:ext uri="{91240B29-F687-4F45-9708-019B960494DF}">
-              <a14:hiddenLine xmlns="" xmlns:a14="http://schemas.microsoft.com/office/drawing/2010/main" w="9525">
+              <a14:hiddenLine xmlns:a14="http://schemas.microsoft.com/office/drawing/2010/main" xmlns="" w="9525">
                 <a:solidFill>
                   <a:schemeClr val="tx1"/>
                 </a:solidFill>
@@ -18987,7 +18897,7 @@
               </a14:hiddenLine>
             </a:ext>
             <a:ext uri="{AF507438-7753-43E0-B8FC-AC1667EBCBE1}">
-              <a14:hiddenEffects xmlns="" xmlns:a14="http://schemas.microsoft.com/office/drawing/2010/main">
+              <a14:hiddenEffects xmlns:a14="http://schemas.microsoft.com/office/drawing/2010/main" xmlns="">
                 <a:effectLst>
                   <a:outerShdw dist="35921" dir="2700000" algn="ctr" rotWithShape="0">
                     <a:schemeClr val="bg2"/>
@@ -19007,10 +18917,10 @@
           <p:nvPr/>
         </p:nvPicPr>
         <p:blipFill>
-          <a:blip r:embed="rId8" cstate="print">
+          <a:blip r:embed="rId7" cstate="print">
             <a:extLst>
               <a:ext uri="{28A0092B-C50C-407E-A947-70E740481C1C}">
-                <a14:useLocalDpi xmlns="" xmlns:a14="http://schemas.microsoft.com/office/drawing/2010/main" val="0"/>
+                <a14:useLocalDpi xmlns:a14="http://schemas.microsoft.com/office/drawing/2010/main" xmlns="" val="0"/>
               </a:ext>
             </a:extLst>
           </a:blip>
@@ -19034,14 +18944,14 @@
           <a:effectLst/>
           <a:extLst>
             <a:ext uri="{909E8E84-426E-40DD-AFC4-6F175D3DCCD1}">
-              <a14:hiddenFill xmlns="" xmlns:a14="http://schemas.microsoft.com/office/drawing/2010/main">
+              <a14:hiddenFill xmlns:a14="http://schemas.microsoft.com/office/drawing/2010/main" xmlns="">
                 <a:solidFill>
                   <a:schemeClr val="accent1"/>
                 </a:solidFill>
               </a14:hiddenFill>
             </a:ext>
             <a:ext uri="{91240B29-F687-4F45-9708-019B960494DF}">
-              <a14:hiddenLine xmlns="" xmlns:a14="http://schemas.microsoft.com/office/drawing/2010/main" w="9525">
+              <a14:hiddenLine xmlns:a14="http://schemas.microsoft.com/office/drawing/2010/main" xmlns="" w="9525">
                 <a:solidFill>
                   <a:schemeClr val="tx1"/>
                 </a:solidFill>
@@ -19051,7 +18961,7 @@
               </a14:hiddenLine>
             </a:ext>
             <a:ext uri="{AF507438-7753-43E0-B8FC-AC1667EBCBE1}">
-              <a14:hiddenEffects xmlns="" xmlns:a14="http://schemas.microsoft.com/office/drawing/2010/main">
+              <a14:hiddenEffects xmlns:a14="http://schemas.microsoft.com/office/drawing/2010/main" xmlns="">
                 <a:effectLst>
                   <a:outerShdw dist="35921" dir="2700000" algn="ctr" rotWithShape="0">
                     <a:schemeClr val="bg2"/>
@@ -19172,7 +19082,7 @@
           <p:nvPr/>
         </p:nvPicPr>
         <p:blipFill>
-          <a:blip r:embed="rId9"/>
+          <a:blip r:embed="rId8"/>
           <a:srcRect/>
           <a:stretch>
             <a:fillRect/>
@@ -19198,7 +19108,7 @@
           <p:nvPr/>
         </p:nvPicPr>
         <p:blipFill>
-          <a:blip r:embed="rId10" cstate="print"/>
+          <a:blip r:embed="rId9" cstate="print"/>
           <a:srcRect/>
           <a:stretch>
             <a:fillRect/>
@@ -19255,10 +19165,36 @@
           </a:fontRef>
         </p:style>
       </p:cxnSp>
+      <p:pic>
+        <p:nvPicPr>
+          <p:cNvPr id="26" name="Picture 4" descr="C:\Users\anant\Downloads\logo__1_-removebg-preview.png"/>
+          <p:cNvPicPr>
+            <a:picLocks noChangeAspect="1" noChangeArrowheads="1"/>
+          </p:cNvPicPr>
+          <p:nvPr/>
+        </p:nvPicPr>
+        <p:blipFill>
+          <a:blip r:embed="rId10"/>
+          <a:srcRect/>
+          <a:stretch>
+            <a:fillRect/>
+          </a:stretch>
+        </p:blipFill>
+        <p:spPr bwMode="auto">
+          <a:xfrm>
+            <a:off x="6715140" y="4500570"/>
+            <a:ext cx="2214578" cy="2214578"/>
+          </a:xfrm>
+          <a:prstGeom prst="rect">
+            <a:avLst/>
+          </a:prstGeom>
+          <a:noFill/>
+        </p:spPr>
+      </p:pic>
     </p:spTree>
     <p:extLst>
       <p:ext uri="{BB962C8B-B14F-4D97-AF65-F5344CB8AC3E}">
-        <p14:creationId xmlns="" xmlns:p14="http://schemas.microsoft.com/office/powerpoint/2010/main" val="1478932386"/>
+        <p14:creationId xmlns:p14="http://schemas.microsoft.com/office/powerpoint/2010/main" xmlns="" val="1478932386"/>
       </p:ext>
     </p:extLst>
   </p:cSld>
@@ -19347,7 +19283,7 @@
           <a:blip r:embed="rId3" cstate="print">
             <a:extLst>
               <a:ext uri="{BEBA8EAE-BF5A-486C-A8C5-ECC9F3942E4B}">
-                <a14:imgProps xmlns="" xmlns:a14="http://schemas.microsoft.com/office/drawing/2010/main">
+                <a14:imgProps xmlns:a14="http://schemas.microsoft.com/office/drawing/2010/main" xmlns="">
                   <a14:imgLayer r:embed="rId4">
                     <a14:imgEffect>
                       <a14:sharpenSoften amount="50000"/>
@@ -19365,7 +19301,7 @@
                 </a14:imgProps>
               </a:ext>
               <a:ext uri="{28A0092B-C50C-407E-A947-70E740481C1C}">
-                <a14:useLocalDpi xmlns="" xmlns:a14="http://schemas.microsoft.com/office/drawing/2010/main" val="0"/>
+                <a14:useLocalDpi xmlns:a14="http://schemas.microsoft.com/office/drawing/2010/main" xmlns="" val="0"/>
               </a:ext>
             </a:extLst>
           </a:blip>
@@ -19652,47 +19588,6 @@
           </a:p>
         </p:txBody>
       </p:sp>
-      <p:pic>
-        <p:nvPicPr>
-          <p:cNvPr id="10" name="Picture 11" descr="C:\Users\Navya\Downloads\Liceria___Co.-removebg-preview.png"/>
-          <p:cNvPicPr>
-            <a:picLocks noChangeAspect="1" noChangeArrowheads="1"/>
-          </p:cNvPicPr>
-          <p:nvPr/>
-        </p:nvPicPr>
-        <p:blipFill>
-          <a:blip r:embed="rId5" cstate="print">
-            <a:extLst>
-              <a:ext uri="{28A0092B-C50C-407E-A947-70E740481C1C}">
-                <a14:useLocalDpi xmlns="" xmlns:a14="http://schemas.microsoft.com/office/drawing/2010/main" val="0"/>
-              </a:ext>
-            </a:extLst>
-          </a:blip>
-          <a:srcRect/>
-          <a:stretch>
-            <a:fillRect/>
-          </a:stretch>
-        </p:blipFill>
-        <p:spPr bwMode="auto">
-          <a:xfrm>
-            <a:off x="6876256" y="4787280"/>
-            <a:ext cx="1760376" cy="1760376"/>
-          </a:xfrm>
-          <a:prstGeom prst="rect">
-            <a:avLst/>
-          </a:prstGeom>
-          <a:noFill/>
-          <a:extLst>
-            <a:ext uri="{909E8E84-426E-40DD-AFC4-6F175D3DCCD1}">
-              <a14:hiddenFill xmlns="" xmlns:a14="http://schemas.microsoft.com/office/drawing/2010/main">
-                <a:solidFill>
-                  <a:srgbClr val="FFFFFF"/>
-                </a:solidFill>
-              </a14:hiddenFill>
-            </a:ext>
-          </a:extLst>
-        </p:spPr>
-      </p:pic>
       <p:sp>
         <p:nvSpPr>
           <p:cNvPr id="12" name="Pentagon 11"/>
@@ -19815,7 +19710,52 @@
                   </a:outerShdw>
                 </a:effectLst>
               </a:rPr>
-              <a:t>The goal of the College Management System is to create a centralized, </a:t>
+              <a:t>The goal of the </a:t>
+            </a:r>
+            <a:r>
+              <a:rPr lang="en-US" sz="1600" dirty="0" smtClean="0">
+                <a:solidFill>
+                  <a:schemeClr val="bg1"/>
+                </a:solidFill>
+                <a:effectLst>
+                  <a:outerShdw blurRad="38100" dist="38100" dir="2700000" algn="tl">
+                    <a:srgbClr val="000000">
+                      <a:alpha val="43137"/>
+                    </a:srgbClr>
+                  </a:outerShdw>
+                </a:effectLst>
+              </a:rPr>
+              <a:t>Student Database</a:t>
+            </a:r>
+            <a:r>
+              <a:rPr lang="en-US" sz="1600" dirty="0" smtClean="0">
+                <a:solidFill>
+                  <a:schemeClr val="bg1"/>
+                </a:solidFill>
+                <a:effectLst>
+                  <a:outerShdw blurRad="38100" dist="38100" dir="2700000" algn="tl">
+                    <a:srgbClr val="000000">
+                      <a:alpha val="43137"/>
+                    </a:srgbClr>
+                  </a:outerShdw>
+                </a:effectLst>
+              </a:rPr>
+              <a:t> </a:t>
+            </a:r>
+            <a:r>
+              <a:rPr lang="en-US" sz="1600" dirty="0">
+                <a:solidFill>
+                  <a:schemeClr val="bg1"/>
+                </a:solidFill>
+                <a:effectLst>
+                  <a:outerShdw blurRad="38100" dist="38100" dir="2700000" algn="tl">
+                    <a:srgbClr val="000000">
+                      <a:alpha val="43137"/>
+                    </a:srgbClr>
+                  </a:outerShdw>
+                </a:effectLst>
+              </a:rPr>
+              <a:t>Management System is to create a centralized, </a:t>
             </a:r>
             <a:r>
               <a:rPr lang="en-US" sz="1600" dirty="0" smtClean="0">
@@ -20261,10 +20201,36 @@
           </a:p>
         </p:txBody>
       </p:sp>
+      <p:pic>
+        <p:nvPicPr>
+          <p:cNvPr id="16" name="Picture 4" descr="C:\Users\anant\Downloads\logo__1_-removebg-preview.png"/>
+          <p:cNvPicPr>
+            <a:picLocks noChangeAspect="1" noChangeArrowheads="1"/>
+          </p:cNvPicPr>
+          <p:nvPr/>
+        </p:nvPicPr>
+        <p:blipFill>
+          <a:blip r:embed="rId5"/>
+          <a:srcRect/>
+          <a:stretch>
+            <a:fillRect/>
+          </a:stretch>
+        </p:blipFill>
+        <p:spPr bwMode="auto">
+          <a:xfrm>
+            <a:off x="6715140" y="4500570"/>
+            <a:ext cx="2214578" cy="2214578"/>
+          </a:xfrm>
+          <a:prstGeom prst="rect">
+            <a:avLst/>
+          </a:prstGeom>
+          <a:noFill/>
+        </p:spPr>
+      </p:pic>
     </p:spTree>
     <p:extLst>
       <p:ext uri="{BB962C8B-B14F-4D97-AF65-F5344CB8AC3E}">
-        <p14:creationId xmlns="" xmlns:p14="http://schemas.microsoft.com/office/powerpoint/2010/main" val="3678654007"/>
+        <p14:creationId xmlns:p14="http://schemas.microsoft.com/office/powerpoint/2010/main" xmlns="" val="3678654007"/>
       </p:ext>
     </p:extLst>
   </p:cSld>
@@ -20353,7 +20319,7 @@
           <a:blip r:embed="rId3" cstate="print">
             <a:extLst>
               <a:ext uri="{BEBA8EAE-BF5A-486C-A8C5-ECC9F3942E4B}">
-                <a14:imgProps xmlns="" xmlns:a14="http://schemas.microsoft.com/office/drawing/2010/main">
+                <a14:imgProps xmlns:a14="http://schemas.microsoft.com/office/drawing/2010/main" xmlns="">
                   <a14:imgLayer r:embed="rId4">
                     <a14:imgEffect>
                       <a14:sharpenSoften amount="50000"/>
@@ -20371,7 +20337,7 @@
                 </a14:imgProps>
               </a:ext>
               <a:ext uri="{28A0092B-C50C-407E-A947-70E740481C1C}">
-                <a14:useLocalDpi xmlns="" xmlns:a14="http://schemas.microsoft.com/office/drawing/2010/main" val="0"/>
+                <a14:useLocalDpi xmlns:a14="http://schemas.microsoft.com/office/drawing/2010/main" xmlns="" val="0"/>
               </a:ext>
             </a:extLst>
           </a:blip>
@@ -20658,47 +20624,6 @@
           </a:p>
         </p:txBody>
       </p:sp>
-      <p:pic>
-        <p:nvPicPr>
-          <p:cNvPr id="10" name="Picture 11" descr="C:\Users\Navya\Downloads\Liceria___Co.-removebg-preview.png"/>
-          <p:cNvPicPr>
-            <a:picLocks noChangeAspect="1" noChangeArrowheads="1"/>
-          </p:cNvPicPr>
-          <p:nvPr/>
-        </p:nvPicPr>
-        <p:blipFill>
-          <a:blip r:embed="rId5" cstate="print">
-            <a:extLst>
-              <a:ext uri="{28A0092B-C50C-407E-A947-70E740481C1C}">
-                <a14:useLocalDpi xmlns="" xmlns:a14="http://schemas.microsoft.com/office/drawing/2010/main" val="0"/>
-              </a:ext>
-            </a:extLst>
-          </a:blip>
-          <a:srcRect/>
-          <a:stretch>
-            <a:fillRect/>
-          </a:stretch>
-        </p:blipFill>
-        <p:spPr bwMode="auto">
-          <a:xfrm>
-            <a:off x="6876256" y="4787280"/>
-            <a:ext cx="1760376" cy="1760376"/>
-          </a:xfrm>
-          <a:prstGeom prst="rect">
-            <a:avLst/>
-          </a:prstGeom>
-          <a:noFill/>
-          <a:extLst>
-            <a:ext uri="{909E8E84-426E-40DD-AFC4-6F175D3DCCD1}">
-              <a14:hiddenFill xmlns="" xmlns:a14="http://schemas.microsoft.com/office/drawing/2010/main">
-                <a:solidFill>
-                  <a:srgbClr val="FFFFFF"/>
-                </a:solidFill>
-              </a14:hiddenFill>
-            </a:ext>
-          </a:extLst>
-        </p:spPr>
-      </p:pic>
       <p:sp>
         <p:nvSpPr>
           <p:cNvPr id="12" name="Pentagon 11"/>
@@ -20796,7 +20721,7 @@
         <p:spPr>
           <a:xfrm>
             <a:off x="107504" y="2348879"/>
-            <a:ext cx="8784976" cy="646331"/>
+            <a:ext cx="8784976" cy="923330"/>
           </a:xfrm>
           <a:prstGeom prst="rect">
             <a:avLst/>
@@ -20821,7 +20746,7 @@
                   </a:outerShdw>
                 </a:effectLst>
               </a:rPr>
-              <a:t>The College Management System aims to develop a comprehensive </a:t>
+              <a:t>The </a:t>
             </a:r>
             <a:r>
               <a:rPr lang="en-US" dirty="0" smtClean="0">
@@ -20836,7 +20761,82 @@
                   </a:outerShdw>
                 </a:effectLst>
               </a:rPr>
-              <a:t>College Management </a:t>
+              <a:t>Student Database</a:t>
+            </a:r>
+            <a:r>
+              <a:rPr lang="en-US" dirty="0" smtClean="0">
+                <a:solidFill>
+                  <a:schemeClr val="bg1"/>
+                </a:solidFill>
+                <a:effectLst>
+                  <a:outerShdw blurRad="38100" dist="38100" dir="2700000" algn="tl">
+                    <a:srgbClr val="000000">
+                      <a:alpha val="43137"/>
+                    </a:srgbClr>
+                  </a:outerShdw>
+                </a:effectLst>
+              </a:rPr>
+              <a:t> </a:t>
+            </a:r>
+            <a:r>
+              <a:rPr lang="en-US" dirty="0">
+                <a:solidFill>
+                  <a:schemeClr val="bg1"/>
+                </a:solidFill>
+                <a:effectLst>
+                  <a:outerShdw blurRad="38100" dist="38100" dir="2700000" algn="tl">
+                    <a:srgbClr val="000000">
+                      <a:alpha val="43137"/>
+                    </a:srgbClr>
+                  </a:outerShdw>
+                </a:effectLst>
+              </a:rPr>
+              <a:t>Management System aims to develop a comprehensive </a:t>
+            </a:r>
+            <a:r>
+              <a:rPr lang="en-US" dirty="0" smtClean="0">
+                <a:solidFill>
+                  <a:schemeClr val="bg1"/>
+                </a:solidFill>
+                <a:effectLst>
+                  <a:outerShdw blurRad="38100" dist="38100" dir="2700000" algn="tl">
+                    <a:srgbClr val="000000">
+                      <a:alpha val="43137"/>
+                    </a:srgbClr>
+                  </a:outerShdw>
+                </a:effectLst>
+              </a:rPr>
+              <a:t>Student</a:t>
+            </a:r>
+            <a:r>
+              <a:rPr lang="en-US" dirty="0" smtClean="0">
+                <a:solidFill>
+                  <a:schemeClr val="bg1"/>
+                </a:solidFill>
+                <a:effectLst>
+                  <a:outerShdw blurRad="38100" dist="38100" dir="2700000" algn="tl">
+                    <a:srgbClr val="000000">
+                      <a:alpha val="43137"/>
+                    </a:srgbClr>
+                  </a:outerShdw>
+                </a:effectLst>
+              </a:rPr>
+              <a:t> </a:t>
+            </a:r>
+            <a:r>
+              <a:rPr lang="en-US" dirty="0" smtClean="0">
+                <a:solidFill>
+                  <a:schemeClr val="bg1"/>
+                </a:solidFill>
+                <a:effectLst>
+                  <a:outerShdw blurRad="38100" dist="38100" dir="2700000" algn="tl">
+                    <a:srgbClr val="000000">
+                      <a:alpha val="43137"/>
+                    </a:srgbClr>
+                  </a:outerShdw>
+                </a:effectLst>
+              </a:rPr>
+              <a:t>Management </a:t>
             </a:r>
             <a:r>
               <a:rPr lang="en-US" dirty="0">
@@ -21019,10 +21019,36 @@
           </a:p>
         </p:txBody>
       </p:sp>
+      <p:pic>
+        <p:nvPicPr>
+          <p:cNvPr id="15" name="Picture 4" descr="C:\Users\anant\Downloads\logo__1_-removebg-preview.png"/>
+          <p:cNvPicPr>
+            <a:picLocks noChangeAspect="1" noChangeArrowheads="1"/>
+          </p:cNvPicPr>
+          <p:nvPr/>
+        </p:nvPicPr>
+        <p:blipFill>
+          <a:blip r:embed="rId5"/>
+          <a:srcRect/>
+          <a:stretch>
+            <a:fillRect/>
+          </a:stretch>
+        </p:blipFill>
+        <p:spPr bwMode="auto">
+          <a:xfrm>
+            <a:off x="6715140" y="4500570"/>
+            <a:ext cx="2214578" cy="2214578"/>
+          </a:xfrm>
+          <a:prstGeom prst="rect">
+            <a:avLst/>
+          </a:prstGeom>
+          <a:noFill/>
+        </p:spPr>
+      </p:pic>
     </p:spTree>
     <p:extLst>
       <p:ext uri="{BB962C8B-B14F-4D97-AF65-F5344CB8AC3E}">
-        <p14:creationId xmlns="" xmlns:p14="http://schemas.microsoft.com/office/powerpoint/2010/main" val="2867673196"/>
+        <p14:creationId xmlns:p14="http://schemas.microsoft.com/office/powerpoint/2010/main" xmlns="" val="2867673196"/>
       </p:ext>
     </p:extLst>
   </p:cSld>
@@ -21111,7 +21137,7 @@
           <a:blip r:embed="rId3" cstate="print">
             <a:extLst>
               <a:ext uri="{BEBA8EAE-BF5A-486C-A8C5-ECC9F3942E4B}">
-                <a14:imgProps xmlns="" xmlns:a14="http://schemas.microsoft.com/office/drawing/2010/main">
+                <a14:imgProps xmlns:a14="http://schemas.microsoft.com/office/drawing/2010/main" xmlns="">
                   <a14:imgLayer r:embed="rId4">
                     <a14:imgEffect>
                       <a14:sharpenSoften amount="50000"/>
@@ -21129,7 +21155,7 @@
                 </a14:imgProps>
               </a:ext>
               <a:ext uri="{28A0092B-C50C-407E-A947-70E740481C1C}">
-                <a14:useLocalDpi xmlns="" xmlns:a14="http://schemas.microsoft.com/office/drawing/2010/main" val="0"/>
+                <a14:useLocalDpi xmlns:a14="http://schemas.microsoft.com/office/drawing/2010/main" xmlns="" val="0"/>
               </a:ext>
             </a:extLst>
           </a:blip>
@@ -21416,47 +21442,6 @@
           </a:p>
         </p:txBody>
       </p:sp>
-      <p:pic>
-        <p:nvPicPr>
-          <p:cNvPr id="10" name="Picture 11" descr="C:\Users\Navya\Downloads\Liceria___Co.-removebg-preview.png"/>
-          <p:cNvPicPr>
-            <a:picLocks noChangeAspect="1" noChangeArrowheads="1"/>
-          </p:cNvPicPr>
-          <p:nvPr/>
-        </p:nvPicPr>
-        <p:blipFill>
-          <a:blip r:embed="rId5" cstate="print">
-            <a:extLst>
-              <a:ext uri="{28A0092B-C50C-407E-A947-70E740481C1C}">
-                <a14:useLocalDpi xmlns="" xmlns:a14="http://schemas.microsoft.com/office/drawing/2010/main" val="0"/>
-              </a:ext>
-            </a:extLst>
-          </a:blip>
-          <a:srcRect/>
-          <a:stretch>
-            <a:fillRect/>
-          </a:stretch>
-        </p:blipFill>
-        <p:spPr bwMode="auto">
-          <a:xfrm>
-            <a:off x="6876256" y="4787280"/>
-            <a:ext cx="1760376" cy="1760376"/>
-          </a:xfrm>
-          <a:prstGeom prst="rect">
-            <a:avLst/>
-          </a:prstGeom>
-          <a:noFill/>
-          <a:extLst>
-            <a:ext uri="{909E8E84-426E-40DD-AFC4-6F175D3DCCD1}">
-              <a14:hiddenFill xmlns="" xmlns:a14="http://schemas.microsoft.com/office/drawing/2010/main">
-                <a:solidFill>
-                  <a:srgbClr val="FFFFFF"/>
-                </a:solidFill>
-              </a14:hiddenFill>
-            </a:ext>
-          </a:extLst>
-        </p:spPr>
-      </p:pic>
       <p:sp>
         <p:nvSpPr>
           <p:cNvPr id="2" name="Rectangle 1"/>
@@ -21488,7 +21473,31 @@
                   <a:schemeClr val="bg1"/>
                 </a:solidFill>
               </a:rPr>
-              <a:t>The College Management System project deliverables include a fully </a:t>
+              <a:t>The </a:t>
+            </a:r>
+            <a:r>
+              <a:rPr lang="en-US" dirty="0" smtClean="0">
+                <a:solidFill>
+                  <a:schemeClr val="bg1"/>
+                </a:solidFill>
+              </a:rPr>
+              <a:t>Student Database</a:t>
+            </a:r>
+            <a:r>
+              <a:rPr lang="en-US" dirty="0" smtClean="0">
+                <a:solidFill>
+                  <a:schemeClr val="bg1"/>
+                </a:solidFill>
+              </a:rPr>
+              <a:t> </a:t>
+            </a:r>
+            <a:r>
+              <a:rPr lang="en-US" dirty="0">
+                <a:solidFill>
+                  <a:schemeClr val="bg1"/>
+                </a:solidFill>
+              </a:rPr>
+              <a:t>Management System project deliverables include a fully </a:t>
             </a:r>
             <a:r>
               <a:rPr lang="en-US" dirty="0" smtClean="0">
@@ -21671,10 +21680,36 @@
           </a:p>
         </p:txBody>
       </p:sp>
+      <p:pic>
+        <p:nvPicPr>
+          <p:cNvPr id="14" name="Picture 4" descr="C:\Users\anant\Downloads\logo__1_-removebg-preview.png"/>
+          <p:cNvPicPr>
+            <a:picLocks noChangeAspect="1" noChangeArrowheads="1"/>
+          </p:cNvPicPr>
+          <p:nvPr/>
+        </p:nvPicPr>
+        <p:blipFill>
+          <a:blip r:embed="rId5"/>
+          <a:srcRect/>
+          <a:stretch>
+            <a:fillRect/>
+          </a:stretch>
+        </p:blipFill>
+        <p:spPr bwMode="auto">
+          <a:xfrm>
+            <a:off x="6715140" y="4500570"/>
+            <a:ext cx="2214578" cy="2214578"/>
+          </a:xfrm>
+          <a:prstGeom prst="rect">
+            <a:avLst/>
+          </a:prstGeom>
+          <a:noFill/>
+        </p:spPr>
+      </p:pic>
     </p:spTree>
     <p:extLst>
       <p:ext uri="{BB962C8B-B14F-4D97-AF65-F5344CB8AC3E}">
-        <p14:creationId xmlns="" xmlns:p14="http://schemas.microsoft.com/office/powerpoint/2010/main" val="3414921412"/>
+        <p14:creationId xmlns:p14="http://schemas.microsoft.com/office/powerpoint/2010/main" xmlns="" val="3414921412"/>
       </p:ext>
     </p:extLst>
   </p:cSld>
@@ -21763,7 +21798,7 @@
           <a:blip r:embed="rId3" cstate="print">
             <a:extLst>
               <a:ext uri="{BEBA8EAE-BF5A-486C-A8C5-ECC9F3942E4B}">
-                <a14:imgProps xmlns="" xmlns:a14="http://schemas.microsoft.com/office/drawing/2010/main">
+                <a14:imgProps xmlns:a14="http://schemas.microsoft.com/office/drawing/2010/main" xmlns="">
                   <a14:imgLayer r:embed="rId4">
                     <a14:imgEffect>
                       <a14:sharpenSoften amount="50000"/>
@@ -21781,7 +21816,7 @@
                 </a14:imgProps>
               </a:ext>
               <a:ext uri="{28A0092B-C50C-407E-A947-70E740481C1C}">
-                <a14:useLocalDpi xmlns="" xmlns:a14="http://schemas.microsoft.com/office/drawing/2010/main" val="0"/>
+                <a14:useLocalDpi xmlns:a14="http://schemas.microsoft.com/office/drawing/2010/main" xmlns="" val="0"/>
               </a:ext>
             </a:extLst>
           </a:blip>
@@ -22068,47 +22103,6 @@
           </a:p>
         </p:txBody>
       </p:sp>
-      <p:pic>
-        <p:nvPicPr>
-          <p:cNvPr id="10" name="Picture 11" descr="C:\Users\Navya\Downloads\Liceria___Co.-removebg-preview.png"/>
-          <p:cNvPicPr>
-            <a:picLocks noChangeAspect="1" noChangeArrowheads="1"/>
-          </p:cNvPicPr>
-          <p:nvPr/>
-        </p:nvPicPr>
-        <p:blipFill>
-          <a:blip r:embed="rId5" cstate="print">
-            <a:extLst>
-              <a:ext uri="{28A0092B-C50C-407E-A947-70E740481C1C}">
-                <a14:useLocalDpi xmlns="" xmlns:a14="http://schemas.microsoft.com/office/drawing/2010/main" val="0"/>
-              </a:ext>
-            </a:extLst>
-          </a:blip>
-          <a:srcRect/>
-          <a:stretch>
-            <a:fillRect/>
-          </a:stretch>
-        </p:blipFill>
-        <p:spPr bwMode="auto">
-          <a:xfrm>
-            <a:off x="6876256" y="4787280"/>
-            <a:ext cx="1760376" cy="1760376"/>
-          </a:xfrm>
-          <a:prstGeom prst="rect">
-            <a:avLst/>
-          </a:prstGeom>
-          <a:noFill/>
-          <a:extLst>
-            <a:ext uri="{909E8E84-426E-40DD-AFC4-6F175D3DCCD1}">
-              <a14:hiddenFill xmlns="" xmlns:a14="http://schemas.microsoft.com/office/drawing/2010/main">
-                <a:solidFill>
-                  <a:srgbClr val="FFFFFF"/>
-                </a:solidFill>
-              </a14:hiddenFill>
-            </a:ext>
-          </a:extLst>
-        </p:spPr>
-      </p:pic>
       <p:sp>
         <p:nvSpPr>
           <p:cNvPr id="12" name="Pentagon 11"/>
@@ -22204,7 +22198,7 @@
           <p:nvPr>
             <p:extLst>
               <p:ext uri="{D42A27DB-BD31-4B8C-83A1-F6EECF244321}">
-                <p14:modId xmlns="" xmlns:p14="http://schemas.microsoft.com/office/powerpoint/2010/main" val="4286835105"/>
+                <p14:modId xmlns:p14="http://schemas.microsoft.com/office/powerpoint/2010/main" xmlns="" val="4286835105"/>
               </p:ext>
             </p:extLst>
           </p:nvPr>
@@ -22215,7 +22209,7 @@
         </p:xfrm>
         <a:graphic>
           <a:graphicData uri="http://schemas.openxmlformats.org/drawingml/2006/diagram">
-            <dgm:relIds xmlns:dgm="http://schemas.openxmlformats.org/drawingml/2006/diagram" xmlns:r="http://schemas.openxmlformats.org/officeDocument/2006/relationships" r:dm="rId6" r:lo="rId7" r:qs="rId8" r:cs="rId9"/>
+            <dgm:relIds xmlns:dgm="http://schemas.openxmlformats.org/drawingml/2006/diagram" xmlns:r="http://schemas.openxmlformats.org/officeDocument/2006/relationships" r:dm="rId5" r:lo="rId6" r:qs="rId7" r:cs="rId8"/>
           </a:graphicData>
         </a:graphic>
       </p:graphicFrame>
@@ -22226,7 +22220,7 @@
           <p:nvPr>
             <p:extLst>
               <p:ext uri="{D42A27DB-BD31-4B8C-83A1-F6EECF244321}">
-                <p14:modId xmlns="" xmlns:p14="http://schemas.microsoft.com/office/powerpoint/2010/main" val="1926191722"/>
+                <p14:modId xmlns:p14="http://schemas.microsoft.com/office/powerpoint/2010/main" xmlns="" val="1926191722"/>
               </p:ext>
             </p:extLst>
           </p:nvPr>
@@ -22237,14 +22231,40 @@
         </p:xfrm>
         <a:graphic>
           <a:graphicData uri="http://schemas.openxmlformats.org/drawingml/2006/diagram">
-            <dgm:relIds xmlns:dgm="http://schemas.openxmlformats.org/drawingml/2006/diagram" xmlns:r="http://schemas.openxmlformats.org/officeDocument/2006/relationships" r:dm="rId10" r:lo="rId11" r:qs="rId12" r:cs="rId13"/>
+            <dgm:relIds xmlns:dgm="http://schemas.openxmlformats.org/drawingml/2006/diagram" xmlns:r="http://schemas.openxmlformats.org/officeDocument/2006/relationships" r:dm="rId9" r:lo="rId10" r:qs="rId11" r:cs="rId12"/>
           </a:graphicData>
         </a:graphic>
       </p:graphicFrame>
+      <p:pic>
+        <p:nvPicPr>
+          <p:cNvPr id="15" name="Picture 4" descr="C:\Users\anant\Downloads\logo__1_-removebg-preview.png"/>
+          <p:cNvPicPr>
+            <a:picLocks noChangeAspect="1" noChangeArrowheads="1"/>
+          </p:cNvPicPr>
+          <p:nvPr/>
+        </p:nvPicPr>
+        <p:blipFill>
+          <a:blip r:embed="rId13"/>
+          <a:srcRect/>
+          <a:stretch>
+            <a:fillRect/>
+          </a:stretch>
+        </p:blipFill>
+        <p:spPr bwMode="auto">
+          <a:xfrm>
+            <a:off x="6715140" y="4500570"/>
+            <a:ext cx="2214578" cy="2214578"/>
+          </a:xfrm>
+          <a:prstGeom prst="rect">
+            <a:avLst/>
+          </a:prstGeom>
+          <a:noFill/>
+        </p:spPr>
+      </p:pic>
     </p:spTree>
     <p:extLst>
       <p:ext uri="{BB962C8B-B14F-4D97-AF65-F5344CB8AC3E}">
-        <p14:creationId xmlns="" xmlns:p14="http://schemas.microsoft.com/office/powerpoint/2010/main" val="1335936012"/>
+        <p14:creationId xmlns:p14="http://schemas.microsoft.com/office/powerpoint/2010/main" xmlns="" val="1335936012"/>
       </p:ext>
     </p:extLst>
   </p:cSld>
@@ -22333,7 +22353,7 @@
           <a:blip r:embed="rId3" cstate="print">
             <a:extLst>
               <a:ext uri="{BEBA8EAE-BF5A-486C-A8C5-ECC9F3942E4B}">
-                <a14:imgProps xmlns="" xmlns:a14="http://schemas.microsoft.com/office/drawing/2010/main">
+                <a14:imgProps xmlns:a14="http://schemas.microsoft.com/office/drawing/2010/main" xmlns="">
                   <a14:imgLayer r:embed="rId4">
                     <a14:imgEffect>
                       <a14:sharpenSoften amount="50000"/>
@@ -22351,7 +22371,7 @@
                 </a14:imgProps>
               </a:ext>
               <a:ext uri="{28A0092B-C50C-407E-A947-70E740481C1C}">
-                <a14:useLocalDpi xmlns="" xmlns:a14="http://schemas.microsoft.com/office/drawing/2010/main" val="0"/>
+                <a14:useLocalDpi xmlns:a14="http://schemas.microsoft.com/office/drawing/2010/main" xmlns="" val="0"/>
               </a:ext>
             </a:extLst>
           </a:blip>
@@ -22638,47 +22658,6 @@
           </a:p>
         </p:txBody>
       </p:sp>
-      <p:pic>
-        <p:nvPicPr>
-          <p:cNvPr id="10" name="Picture 11" descr="C:\Users\Navya\Downloads\Liceria___Co.-removebg-preview.png"/>
-          <p:cNvPicPr>
-            <a:picLocks noChangeAspect="1" noChangeArrowheads="1"/>
-          </p:cNvPicPr>
-          <p:nvPr/>
-        </p:nvPicPr>
-        <p:blipFill>
-          <a:blip r:embed="rId5" cstate="print">
-            <a:extLst>
-              <a:ext uri="{28A0092B-C50C-407E-A947-70E740481C1C}">
-                <a14:useLocalDpi xmlns="" xmlns:a14="http://schemas.microsoft.com/office/drawing/2010/main" val="0"/>
-              </a:ext>
-            </a:extLst>
-          </a:blip>
-          <a:srcRect/>
-          <a:stretch>
-            <a:fillRect/>
-          </a:stretch>
-        </p:blipFill>
-        <p:spPr bwMode="auto">
-          <a:xfrm>
-            <a:off x="6876256" y="4787280"/>
-            <a:ext cx="1760376" cy="1760376"/>
-          </a:xfrm>
-          <a:prstGeom prst="rect">
-            <a:avLst/>
-          </a:prstGeom>
-          <a:noFill/>
-          <a:extLst>
-            <a:ext uri="{909E8E84-426E-40DD-AFC4-6F175D3DCCD1}">
-              <a14:hiddenFill xmlns="" xmlns:a14="http://schemas.microsoft.com/office/drawing/2010/main">
-                <a:solidFill>
-                  <a:srgbClr val="FFFFFF"/>
-                </a:solidFill>
-              </a14:hiddenFill>
-            </a:ext>
-          </a:extLst>
-        </p:spPr>
-      </p:pic>
       <p:sp>
         <p:nvSpPr>
           <p:cNvPr id="2" name="Rectangle 1"/>
@@ -22896,10 +22875,36 @@
           </a:p>
         </p:txBody>
       </p:sp>
+      <p:pic>
+        <p:nvPicPr>
+          <p:cNvPr id="14" name="Picture 4" descr="C:\Users\anant\Downloads\logo__1_-removebg-preview.png"/>
+          <p:cNvPicPr>
+            <a:picLocks noChangeAspect="1" noChangeArrowheads="1"/>
+          </p:cNvPicPr>
+          <p:nvPr/>
+        </p:nvPicPr>
+        <p:blipFill>
+          <a:blip r:embed="rId5"/>
+          <a:srcRect/>
+          <a:stretch>
+            <a:fillRect/>
+          </a:stretch>
+        </p:blipFill>
+        <p:spPr bwMode="auto">
+          <a:xfrm>
+            <a:off x="6715140" y="4500570"/>
+            <a:ext cx="2214578" cy="2214578"/>
+          </a:xfrm>
+          <a:prstGeom prst="rect">
+            <a:avLst/>
+          </a:prstGeom>
+          <a:noFill/>
+        </p:spPr>
+      </p:pic>
     </p:spTree>
     <p:extLst>
       <p:ext uri="{BB962C8B-B14F-4D97-AF65-F5344CB8AC3E}">
-        <p14:creationId xmlns="" xmlns:p14="http://schemas.microsoft.com/office/powerpoint/2010/main" val="3556728738"/>
+        <p14:creationId xmlns:p14="http://schemas.microsoft.com/office/powerpoint/2010/main" xmlns="" val="3556728738"/>
       </p:ext>
     </p:extLst>
   </p:cSld>
@@ -22988,7 +22993,7 @@
           <a:blip r:embed="rId3" cstate="print">
             <a:extLst>
               <a:ext uri="{BEBA8EAE-BF5A-486C-A8C5-ECC9F3942E4B}">
-                <a14:imgProps xmlns="" xmlns:a14="http://schemas.microsoft.com/office/drawing/2010/main">
+                <a14:imgProps xmlns:a14="http://schemas.microsoft.com/office/drawing/2010/main" xmlns="">
                   <a14:imgLayer r:embed="rId4">
                     <a14:imgEffect>
                       <a14:sharpenSoften amount="50000"/>
@@ -23006,7 +23011,7 @@
                 </a14:imgProps>
               </a:ext>
               <a:ext uri="{28A0092B-C50C-407E-A947-70E740481C1C}">
-                <a14:useLocalDpi xmlns="" xmlns:a14="http://schemas.microsoft.com/office/drawing/2010/main" val="0"/>
+                <a14:useLocalDpi xmlns:a14="http://schemas.microsoft.com/office/drawing/2010/main" xmlns="" val="0"/>
               </a:ext>
             </a:extLst>
           </a:blip>
@@ -23393,7 +23398,7 @@
           <a:blip r:embed="rId5">
             <a:extLst>
               <a:ext uri="{BEBA8EAE-BF5A-486C-A8C5-ECC9F3942E4B}">
-                <a14:imgProps xmlns="" xmlns:a14="http://schemas.microsoft.com/office/drawing/2010/main">
+                <a14:imgProps xmlns:a14="http://schemas.microsoft.com/office/drawing/2010/main" xmlns="">
                   <a14:imgLayer r:embed="rId6">
                     <a14:imgEffect>
                       <a14:colorTemperature colorTemp="5900"/>
@@ -23402,7 +23407,7 @@
                 </a14:imgProps>
               </a:ext>
               <a:ext uri="{28A0092B-C50C-407E-A947-70E740481C1C}">
-                <a14:useLocalDpi xmlns="" xmlns:a14="http://schemas.microsoft.com/office/drawing/2010/main" val="0"/>
+                <a14:useLocalDpi xmlns:a14="http://schemas.microsoft.com/office/drawing/2010/main" xmlns="" val="0"/>
               </a:ext>
             </a:extLst>
           </a:blip>
@@ -23431,7 +23436,7 @@
           </a:effectLst>
           <a:extLst>
             <a:ext uri="{909E8E84-426E-40DD-AFC4-6F175D3DCCD1}">
-              <a14:hiddenFill xmlns="" xmlns:a14="http://schemas.microsoft.com/office/drawing/2010/main">
+              <a14:hiddenFill xmlns:a14="http://schemas.microsoft.com/office/drawing/2010/main" xmlns="">
                 <a:solidFill>
                   <a:srgbClr val="FFFFFF"/>
                 </a:solidFill>
@@ -23442,20 +23447,14 @@
       </p:pic>
       <p:pic>
         <p:nvPicPr>
-          <p:cNvPr id="14" name="Picture 11" descr="C:\Users\Navya\Downloads\Liceria___Co.-removebg-preview.png"/>
+          <p:cNvPr id="15" name="Picture 4" descr="C:\Users\anant\Downloads\logo__1_-removebg-preview.png"/>
           <p:cNvPicPr>
             <a:picLocks noChangeAspect="1" noChangeArrowheads="1"/>
           </p:cNvPicPr>
           <p:nvPr/>
         </p:nvPicPr>
         <p:blipFill>
-          <a:blip r:embed="rId7" cstate="print">
-            <a:extLst>
-              <a:ext uri="{28A0092B-C50C-407E-A947-70E740481C1C}">
-                <a14:useLocalDpi xmlns="" xmlns:a14="http://schemas.microsoft.com/office/drawing/2010/main" val="0"/>
-              </a:ext>
-            </a:extLst>
-          </a:blip>
+          <a:blip r:embed="rId7"/>
           <a:srcRect/>
           <a:stretch>
             <a:fillRect/>
@@ -23463,28 +23462,19 @@
         </p:blipFill>
         <p:spPr bwMode="auto">
           <a:xfrm>
-            <a:off x="6876256" y="4787280"/>
-            <a:ext cx="1760376" cy="1760376"/>
+            <a:off x="6858016" y="4500570"/>
+            <a:ext cx="2000264" cy="2000264"/>
           </a:xfrm>
           <a:prstGeom prst="rect">
             <a:avLst/>
           </a:prstGeom>
           <a:noFill/>
-          <a:extLst>
-            <a:ext uri="{909E8E84-426E-40DD-AFC4-6F175D3DCCD1}">
-              <a14:hiddenFill xmlns="" xmlns:a14="http://schemas.microsoft.com/office/drawing/2010/main">
-                <a:solidFill>
-                  <a:srgbClr val="FFFFFF"/>
-                </a:solidFill>
-              </a14:hiddenFill>
-            </a:ext>
-          </a:extLst>
         </p:spPr>
       </p:pic>
     </p:spTree>
     <p:extLst>
       <p:ext uri="{BB962C8B-B14F-4D97-AF65-F5344CB8AC3E}">
-        <p14:creationId xmlns="" xmlns:p14="http://schemas.microsoft.com/office/powerpoint/2010/main" val="2374673992"/>
+        <p14:creationId xmlns:p14="http://schemas.microsoft.com/office/powerpoint/2010/main" xmlns="" val="2374673992"/>
       </p:ext>
     </p:extLst>
   </p:cSld>
